--- a/2022-01-10_MMID_slides.pptx
+++ b/2022-01-10_MMID_slides.pptx
@@ -5,19 +5,15 @@
     <p:sldMasterId id="2147483648" r:id="rId1"/>
   </p:sldMasterIdLst>
   <p:notesMasterIdLst>
-    <p:notesMasterId r:id="rId12"/>
+    <p:notesMasterId r:id="rId8"/>
   </p:notesMasterIdLst>
   <p:sldIdLst>
     <p:sldId id="257" r:id="rId2"/>
     <p:sldId id="258" r:id="rId3"/>
     <p:sldId id="259" r:id="rId4"/>
-    <p:sldId id="264" r:id="rId5"/>
-    <p:sldId id="265" r:id="rId6"/>
-    <p:sldId id="266" r:id="rId7"/>
-    <p:sldId id="263" r:id="rId8"/>
-    <p:sldId id="262" r:id="rId9"/>
-    <p:sldId id="260" r:id="rId10"/>
-    <p:sldId id="261" r:id="rId11"/>
+    <p:sldId id="262" r:id="rId5"/>
+    <p:sldId id="260" r:id="rId6"/>
+    <p:sldId id="261" r:id="rId7"/>
   </p:sldIdLst>
   <p:sldSz cx="12192000" cy="6858000"/>
   <p:notesSz cx="6858000" cy="9144000"/>
@@ -206,7 +202,7 @@
           <a:p>
             <a:fld id="{48D882F3-2E02-451E-9C78-05DF22B03187}" type="datetimeFigureOut">
               <a:rPr lang="en-US" smtClean="0"/>
-              <a:t>1/16/2022</a:t>
+              <a:t>1/30/22</a:t>
             </a:fld>
             <a:endParaRPr lang="en-US"/>
           </a:p>
@@ -696,7 +692,7 @@
             <a:spLocks noGrp="1"/>
           </p:cNvSpPr>
           <p:nvPr>
-            <p:ph type="sldNum" sz="quarter" idx="10"/>
+            <p:ph type="sldNum" sz="quarter" idx="5"/>
           </p:nvPr>
         </p:nvSpPr>
         <p:spPr/>
@@ -704,261 +700,9 @@
           <a:bodyPr/>
           <a:lstStyle/>
           <a:p>
-            <a:fld id="{36BD9107-982F-4200-938D-AE00E0FE94EA}" type="slidenum">
-              <a:rPr lang="en-US" smtClean="0"/>
-              <a:t>4</a:t>
-            </a:fld>
-            <a:endParaRPr lang="en-US"/>
-          </a:p>
-        </p:txBody>
-      </p:sp>
-    </p:spTree>
-    <p:extLst>
-      <p:ext uri="{BB962C8B-B14F-4D97-AF65-F5344CB8AC3E}">
-        <p14:creationId xmlns:p14="http://schemas.microsoft.com/office/powerpoint/2010/main" val="1349884966"/>
-      </p:ext>
-    </p:extLst>
-  </p:cSld>
-  <p:clrMapOvr>
-    <a:masterClrMapping/>
-  </p:clrMapOvr>
-</p:notes>
-</file>
-
-<file path=ppt/notesSlides/notesSlide4.xml><?xml version="1.0" encoding="utf-8"?>
-<p:notes xmlns:a="http://schemas.openxmlformats.org/drawingml/2006/main" xmlns:r="http://schemas.openxmlformats.org/officeDocument/2006/relationships" xmlns:p="http://schemas.openxmlformats.org/presentationml/2006/main">
-  <p:cSld>
-    <p:spTree>
-      <p:nvGrpSpPr>
-        <p:cNvPr id="1" name=""/>
-        <p:cNvGrpSpPr/>
-        <p:nvPr/>
-      </p:nvGrpSpPr>
-      <p:grpSpPr>
-        <a:xfrm>
-          <a:off x="0" y="0"/>
-          <a:ext cx="0" cy="0"/>
-          <a:chOff x="0" y="0"/>
-          <a:chExt cx="0" cy="0"/>
-        </a:xfrm>
-      </p:grpSpPr>
-      <p:sp>
-        <p:nvSpPr>
-          <p:cNvPr id="2" name="Slide Image Placeholder 1"/>
-          <p:cNvSpPr>
-            <a:spLocks noGrp="1" noRot="1" noChangeAspect="1"/>
-          </p:cNvSpPr>
-          <p:nvPr>
-            <p:ph type="sldImg"/>
-          </p:nvPr>
-        </p:nvSpPr>
-        <p:spPr/>
-      </p:sp>
-      <p:sp>
-        <p:nvSpPr>
-          <p:cNvPr id="3" name="Notes Placeholder 2"/>
-          <p:cNvSpPr>
-            <a:spLocks noGrp="1"/>
-          </p:cNvSpPr>
-          <p:nvPr>
-            <p:ph type="body" idx="1"/>
-          </p:nvPr>
-        </p:nvSpPr>
-        <p:spPr/>
-        <p:txBody>
-          <a:bodyPr/>
-          <a:lstStyle/>
-          <a:p>
-            <a:endParaRPr lang="en-US" dirty="0"/>
-          </a:p>
-        </p:txBody>
-      </p:sp>
-      <p:sp>
-        <p:nvSpPr>
-          <p:cNvPr id="4" name="Slide Number Placeholder 3"/>
-          <p:cNvSpPr>
-            <a:spLocks noGrp="1"/>
-          </p:cNvSpPr>
-          <p:nvPr>
-            <p:ph type="sldNum" sz="quarter" idx="10"/>
-          </p:nvPr>
-        </p:nvSpPr>
-        <p:spPr/>
-        <p:txBody>
-          <a:bodyPr/>
-          <a:lstStyle/>
-          <a:p>
-            <a:fld id="{36BD9107-982F-4200-938D-AE00E0FE94EA}" type="slidenum">
+            <a:fld id="{BA96852E-DC29-4DF7-AD80-913D4F64DF74}" type="slidenum">
               <a:rPr lang="en-US" smtClean="0"/>
               <a:t>5</a:t>
-            </a:fld>
-            <a:endParaRPr lang="en-US"/>
-          </a:p>
-        </p:txBody>
-      </p:sp>
-    </p:spTree>
-    <p:extLst>
-      <p:ext uri="{BB962C8B-B14F-4D97-AF65-F5344CB8AC3E}">
-        <p14:creationId xmlns:p14="http://schemas.microsoft.com/office/powerpoint/2010/main" val="115662785"/>
-      </p:ext>
-    </p:extLst>
-  </p:cSld>
-  <p:clrMapOvr>
-    <a:masterClrMapping/>
-  </p:clrMapOvr>
-</p:notes>
-</file>
-
-<file path=ppt/notesSlides/notesSlide5.xml><?xml version="1.0" encoding="utf-8"?>
-<p:notes xmlns:a="http://schemas.openxmlformats.org/drawingml/2006/main" xmlns:r="http://schemas.openxmlformats.org/officeDocument/2006/relationships" xmlns:p="http://schemas.openxmlformats.org/presentationml/2006/main">
-  <p:cSld>
-    <p:spTree>
-      <p:nvGrpSpPr>
-        <p:cNvPr id="1" name=""/>
-        <p:cNvGrpSpPr/>
-        <p:nvPr/>
-      </p:nvGrpSpPr>
-      <p:grpSpPr>
-        <a:xfrm>
-          <a:off x="0" y="0"/>
-          <a:ext cx="0" cy="0"/>
-          <a:chOff x="0" y="0"/>
-          <a:chExt cx="0" cy="0"/>
-        </a:xfrm>
-      </p:grpSpPr>
-      <p:sp>
-        <p:nvSpPr>
-          <p:cNvPr id="2" name="Slide Image Placeholder 1"/>
-          <p:cNvSpPr>
-            <a:spLocks noGrp="1" noRot="1" noChangeAspect="1"/>
-          </p:cNvSpPr>
-          <p:nvPr>
-            <p:ph type="sldImg"/>
-          </p:nvPr>
-        </p:nvSpPr>
-        <p:spPr/>
-      </p:sp>
-      <p:sp>
-        <p:nvSpPr>
-          <p:cNvPr id="3" name="Notes Placeholder 2"/>
-          <p:cNvSpPr>
-            <a:spLocks noGrp="1"/>
-          </p:cNvSpPr>
-          <p:nvPr>
-            <p:ph type="body" idx="1"/>
-          </p:nvPr>
-        </p:nvSpPr>
-        <p:spPr/>
-        <p:txBody>
-          <a:bodyPr/>
-          <a:lstStyle/>
-          <a:p>
-            <a:endParaRPr lang="en-US" dirty="0"/>
-          </a:p>
-        </p:txBody>
-      </p:sp>
-      <p:sp>
-        <p:nvSpPr>
-          <p:cNvPr id="4" name="Slide Number Placeholder 3"/>
-          <p:cNvSpPr>
-            <a:spLocks noGrp="1"/>
-          </p:cNvSpPr>
-          <p:nvPr>
-            <p:ph type="sldNum" sz="quarter" idx="10"/>
-          </p:nvPr>
-        </p:nvSpPr>
-        <p:spPr/>
-        <p:txBody>
-          <a:bodyPr/>
-          <a:lstStyle/>
-          <a:p>
-            <a:fld id="{36BD9107-982F-4200-938D-AE00E0FE94EA}" type="slidenum">
-              <a:rPr lang="en-US" smtClean="0"/>
-              <a:t>6</a:t>
-            </a:fld>
-            <a:endParaRPr lang="en-US"/>
-          </a:p>
-        </p:txBody>
-      </p:sp>
-    </p:spTree>
-    <p:extLst>
-      <p:ext uri="{BB962C8B-B14F-4D97-AF65-F5344CB8AC3E}">
-        <p14:creationId xmlns:p14="http://schemas.microsoft.com/office/powerpoint/2010/main" val="2283151098"/>
-      </p:ext>
-    </p:extLst>
-  </p:cSld>
-  <p:clrMapOvr>
-    <a:masterClrMapping/>
-  </p:clrMapOvr>
-</p:notes>
-</file>
-
-<file path=ppt/notesSlides/notesSlide6.xml><?xml version="1.0" encoding="utf-8"?>
-<p:notes xmlns:a="http://schemas.openxmlformats.org/drawingml/2006/main" xmlns:r="http://schemas.openxmlformats.org/officeDocument/2006/relationships" xmlns:p="http://schemas.openxmlformats.org/presentationml/2006/main">
-  <p:cSld>
-    <p:spTree>
-      <p:nvGrpSpPr>
-        <p:cNvPr id="1" name=""/>
-        <p:cNvGrpSpPr/>
-        <p:nvPr/>
-      </p:nvGrpSpPr>
-      <p:grpSpPr>
-        <a:xfrm>
-          <a:off x="0" y="0"/>
-          <a:ext cx="0" cy="0"/>
-          <a:chOff x="0" y="0"/>
-          <a:chExt cx="0" cy="0"/>
-        </a:xfrm>
-      </p:grpSpPr>
-      <p:sp>
-        <p:nvSpPr>
-          <p:cNvPr id="2" name="Slide Image Placeholder 1"/>
-          <p:cNvSpPr>
-            <a:spLocks noGrp="1" noRot="1" noChangeAspect="1"/>
-          </p:cNvSpPr>
-          <p:nvPr>
-            <p:ph type="sldImg"/>
-          </p:nvPr>
-        </p:nvSpPr>
-        <p:spPr/>
-      </p:sp>
-      <p:sp>
-        <p:nvSpPr>
-          <p:cNvPr id="3" name="Notes Placeholder 2"/>
-          <p:cNvSpPr>
-            <a:spLocks noGrp="1"/>
-          </p:cNvSpPr>
-          <p:nvPr>
-            <p:ph type="body" idx="1"/>
-          </p:nvPr>
-        </p:nvSpPr>
-        <p:spPr/>
-        <p:txBody>
-          <a:bodyPr/>
-          <a:lstStyle/>
-          <a:p>
-            <a:endParaRPr lang="en-US" dirty="0"/>
-          </a:p>
-        </p:txBody>
-      </p:sp>
-      <p:sp>
-        <p:nvSpPr>
-          <p:cNvPr id="4" name="Slide Number Placeholder 3"/>
-          <p:cNvSpPr>
-            <a:spLocks noGrp="1"/>
-          </p:cNvSpPr>
-          <p:nvPr>
-            <p:ph type="sldNum" sz="quarter" idx="5"/>
-          </p:nvPr>
-        </p:nvSpPr>
-        <p:spPr/>
-        <p:txBody>
-          <a:bodyPr/>
-          <a:lstStyle/>
-          <a:p>
-            <a:fld id="{BA96852E-DC29-4DF7-AD80-913D4F64DF74}" type="slidenum">
-              <a:rPr lang="en-US" smtClean="0"/>
-              <a:t>9</a:t>
             </a:fld>
             <a:endParaRPr lang="en-US"/>
           </a:p>
@@ -1106,7 +850,7 @@
           <a:p>
             <a:fld id="{CE27A053-092D-4E5E-A35D-CC00E578BF7D}" type="datetimeFigureOut">
               <a:rPr lang="en-US" smtClean="0"/>
-              <a:t>1/16/2022</a:t>
+              <a:t>1/30/22</a:t>
             </a:fld>
             <a:endParaRPr lang="en-US"/>
           </a:p>
@@ -1274,7 +1018,7 @@
           <a:p>
             <a:fld id="{CE27A053-092D-4E5E-A35D-CC00E578BF7D}" type="datetimeFigureOut">
               <a:rPr lang="en-US" smtClean="0"/>
-              <a:t>1/16/2022</a:t>
+              <a:t>1/30/22</a:t>
             </a:fld>
             <a:endParaRPr lang="en-US"/>
           </a:p>
@@ -1452,7 +1196,7 @@
           <a:p>
             <a:fld id="{CE27A053-092D-4E5E-A35D-CC00E578BF7D}" type="datetimeFigureOut">
               <a:rPr lang="en-US" smtClean="0"/>
-              <a:t>1/16/2022</a:t>
+              <a:t>1/30/22</a:t>
             </a:fld>
             <a:endParaRPr lang="en-US"/>
           </a:p>
@@ -1620,7 +1364,7 @@
           <a:p>
             <a:fld id="{CE27A053-092D-4E5E-A35D-CC00E578BF7D}" type="datetimeFigureOut">
               <a:rPr lang="en-US" smtClean="0"/>
-              <a:t>1/16/2022</a:t>
+              <a:t>1/30/22</a:t>
             </a:fld>
             <a:endParaRPr lang="en-US"/>
           </a:p>
@@ -1865,7 +1609,7 @@
           <a:p>
             <a:fld id="{CE27A053-092D-4E5E-A35D-CC00E578BF7D}" type="datetimeFigureOut">
               <a:rPr lang="en-US" smtClean="0"/>
-              <a:t>1/16/2022</a:t>
+              <a:t>1/30/22</a:t>
             </a:fld>
             <a:endParaRPr lang="en-US"/>
           </a:p>
@@ -2094,7 +1838,7 @@
           <a:p>
             <a:fld id="{CE27A053-092D-4E5E-A35D-CC00E578BF7D}" type="datetimeFigureOut">
               <a:rPr lang="en-US" smtClean="0"/>
-              <a:t>1/16/2022</a:t>
+              <a:t>1/30/22</a:t>
             </a:fld>
             <a:endParaRPr lang="en-US"/>
           </a:p>
@@ -2458,7 +2202,7 @@
           <a:p>
             <a:fld id="{CE27A053-092D-4E5E-A35D-CC00E578BF7D}" type="datetimeFigureOut">
               <a:rPr lang="en-US" smtClean="0"/>
-              <a:t>1/16/2022</a:t>
+              <a:t>1/30/22</a:t>
             </a:fld>
             <a:endParaRPr lang="en-US"/>
           </a:p>
@@ -2575,7 +2319,7 @@
           <a:p>
             <a:fld id="{CE27A053-092D-4E5E-A35D-CC00E578BF7D}" type="datetimeFigureOut">
               <a:rPr lang="en-US" smtClean="0"/>
-              <a:t>1/16/2022</a:t>
+              <a:t>1/30/22</a:t>
             </a:fld>
             <a:endParaRPr lang="en-US"/>
           </a:p>
@@ -2670,7 +2414,7 @@
           <a:p>
             <a:fld id="{CE27A053-092D-4E5E-A35D-CC00E578BF7D}" type="datetimeFigureOut">
               <a:rPr lang="en-US" smtClean="0"/>
-              <a:t>1/16/2022</a:t>
+              <a:t>1/30/22</a:t>
             </a:fld>
             <a:endParaRPr lang="en-US"/>
           </a:p>
@@ -2945,7 +2689,7 @@
           <a:p>
             <a:fld id="{CE27A053-092D-4E5E-A35D-CC00E578BF7D}" type="datetimeFigureOut">
               <a:rPr lang="en-US" smtClean="0"/>
-              <a:t>1/16/2022</a:t>
+              <a:t>1/30/22</a:t>
             </a:fld>
             <a:endParaRPr lang="en-US"/>
           </a:p>
@@ -3197,7 +2941,7 @@
           <a:p>
             <a:fld id="{CE27A053-092D-4E5E-A35D-CC00E578BF7D}" type="datetimeFigureOut">
               <a:rPr lang="en-US" smtClean="0"/>
-              <a:t>1/16/2022</a:t>
+              <a:t>1/30/22</a:t>
             </a:fld>
             <a:endParaRPr lang="en-US"/>
           </a:p>
@@ -3408,7 +3152,7 @@
           <a:p>
             <a:fld id="{CE27A053-092D-4E5E-A35D-CC00E578BF7D}" type="datetimeFigureOut">
               <a:rPr lang="en-US" smtClean="0"/>
-              <a:t>1/16/2022</a:t>
+              <a:t>1/30/22</a:t>
             </a:fld>
             <a:endParaRPr lang="en-US"/>
           </a:p>
@@ -5103,7 +4847,835 @@
 </p:sld>
 </file>
 
-<file path=ppt/slides/slide10.xml><?xml version="1.0" encoding="utf-8"?>
+<file path=ppt/slides/slide2.xml><?xml version="1.0" encoding="utf-8"?>
+<p:sld xmlns:a="http://schemas.openxmlformats.org/drawingml/2006/main" xmlns:r="http://schemas.openxmlformats.org/officeDocument/2006/relationships" xmlns:p="http://schemas.openxmlformats.org/presentationml/2006/main">
+  <p:cSld>
+    <p:spTree>
+      <p:nvGrpSpPr>
+        <p:cNvPr id="1" name=""/>
+        <p:cNvGrpSpPr/>
+        <p:nvPr/>
+      </p:nvGrpSpPr>
+      <p:grpSpPr>
+        <a:xfrm>
+          <a:off x="0" y="0"/>
+          <a:ext cx="0" cy="0"/>
+          <a:chOff x="0" y="0"/>
+          <a:chExt cx="0" cy="0"/>
+        </a:xfrm>
+      </p:grpSpPr>
+      <p:sp>
+        <p:nvSpPr>
+          <p:cNvPr id="4" name="TextBox 3"/>
+          <p:cNvSpPr txBox="1"/>
+          <p:nvPr/>
+        </p:nvSpPr>
+        <p:spPr>
+          <a:xfrm>
+            <a:off x="-783792" y="744657"/>
+            <a:ext cx="13445556" cy="4893647"/>
+          </a:xfrm>
+          <a:prstGeom prst="rect">
+            <a:avLst/>
+          </a:prstGeom>
+          <a:noFill/>
+        </p:spPr>
+        <p:txBody>
+          <a:bodyPr wrap="square" rtlCol="0">
+            <a:spAutoFit/>
+          </a:bodyPr>
+          <a:lstStyle/>
+          <a:p>
+            <a:pPr algn="ctr"/>
+            <a:r>
+              <a:rPr lang="en-US" sz="4800" b="1" u="sng" dirty="0">
+                <a:solidFill>
+                  <a:schemeClr val="accent2"/>
+                </a:solidFill>
+                <a:latin typeface="Franklin Gothic Medium" panose="020B0603020102020204" pitchFamily="34" charset="0"/>
+              </a:rPr>
+              <a:t>INFORMATION FOR PARTICIPANTS</a:t>
+            </a:r>
+          </a:p>
+          <a:p>
+            <a:pPr algn="ctr"/>
+            <a:endParaRPr lang="en-US" sz="4000" b="1" dirty="0">
+              <a:solidFill>
+                <a:schemeClr val="bg2">
+                  <a:lumMod val="25000"/>
+                </a:schemeClr>
+              </a:solidFill>
+              <a:latin typeface="Franklin Gothic Medium" panose="020B0603020102020204" pitchFamily="34" charset="0"/>
+            </a:endParaRPr>
+          </a:p>
+          <a:p>
+            <a:pPr algn="ctr"/>
+            <a:r>
+              <a:rPr lang="en-US" sz="4000" b="1" dirty="0">
+                <a:solidFill>
+                  <a:schemeClr val="bg2">
+                    <a:lumMod val="25000"/>
+                  </a:schemeClr>
+                </a:solidFill>
+                <a:latin typeface="Franklin Gothic Medium" panose="020B0603020102020204" pitchFamily="34" charset="0"/>
+              </a:rPr>
+              <a:t>All workshops are being recorded and posted to the</a:t>
+            </a:r>
+          </a:p>
+          <a:p>
+            <a:pPr algn="ctr"/>
+            <a:r>
+              <a:rPr lang="en-US" sz="3600" u="sng" dirty="0">
+                <a:solidFill>
+                  <a:srgbClr val="0070C0"/>
+                </a:solidFill>
+                <a:latin typeface="Franklin Gothic Medium" panose="020B0603020102020204" pitchFamily="34" charset="0"/>
+                <a:hlinkClick r:id="rId2"/>
+              </a:rPr>
+              <a:t>MMID Coding Workshop - YouTube</a:t>
+            </a:r>
+            <a:endParaRPr lang="en-US" sz="6600" b="1" i="1" dirty="0">
+              <a:solidFill>
+                <a:srgbClr val="0070C0"/>
+              </a:solidFill>
+              <a:latin typeface="Franklin Gothic Medium" panose="020B0603020102020204" pitchFamily="34" charset="0"/>
+            </a:endParaRPr>
+          </a:p>
+          <a:p>
+            <a:pPr algn="ctr"/>
+            <a:endParaRPr lang="en-US" sz="4000" b="1" i="1" dirty="0">
+              <a:solidFill>
+                <a:schemeClr val="bg2">
+                  <a:lumMod val="25000"/>
+                </a:schemeClr>
+              </a:solidFill>
+              <a:latin typeface="Franklin Gothic Medium" panose="020B0603020102020204" pitchFamily="34" charset="0"/>
+            </a:endParaRPr>
+          </a:p>
+          <a:p>
+            <a:pPr algn="ctr"/>
+            <a:endParaRPr lang="en-US" sz="4000" b="1" i="1" dirty="0">
+              <a:solidFill>
+                <a:schemeClr val="bg2">
+                  <a:lumMod val="25000"/>
+                </a:schemeClr>
+              </a:solidFill>
+              <a:latin typeface="Franklin Gothic Medium" panose="020B0603020102020204" pitchFamily="34" charset="0"/>
+            </a:endParaRPr>
+          </a:p>
+          <a:p>
+            <a:pPr algn="ctr"/>
+            <a:r>
+              <a:rPr lang="en-US" sz="4000" b="1" i="1" dirty="0">
+                <a:solidFill>
+                  <a:schemeClr val="bg2">
+                    <a:lumMod val="25000"/>
+                  </a:schemeClr>
+                </a:solidFill>
+                <a:latin typeface="Franklin Gothic Medium" panose="020B0603020102020204" pitchFamily="34" charset="0"/>
+              </a:rPr>
+              <a:t>Question and Answer period </a:t>
+            </a:r>
+            <a:r>
+              <a:rPr lang="en-US" sz="4000" b="1" i="1" u="sng" dirty="0">
+                <a:solidFill>
+                  <a:schemeClr val="bg2">
+                    <a:lumMod val="25000"/>
+                  </a:schemeClr>
+                </a:solidFill>
+                <a:latin typeface="Franklin Gothic Medium" panose="020B0603020102020204" pitchFamily="34" charset="0"/>
+              </a:rPr>
+              <a:t>will not be recorded.</a:t>
+            </a:r>
+          </a:p>
+          <a:p>
+            <a:pPr algn="ctr"/>
+            <a:endParaRPr lang="en-US" sz="2800" b="1" i="1" dirty="0">
+              <a:solidFill>
+                <a:schemeClr val="bg2">
+                  <a:lumMod val="25000"/>
+                </a:schemeClr>
+              </a:solidFill>
+              <a:latin typeface="Franklin Gothic Medium" panose="020B0603020102020204" pitchFamily="34" charset="0"/>
+            </a:endParaRPr>
+          </a:p>
+        </p:txBody>
+      </p:sp>
+    </p:spTree>
+    <p:extLst>
+      <p:ext uri="{BB962C8B-B14F-4D97-AF65-F5344CB8AC3E}">
+        <p14:creationId xmlns:p14="http://schemas.microsoft.com/office/powerpoint/2010/main" val="375740849"/>
+      </p:ext>
+    </p:extLst>
+  </p:cSld>
+  <p:clrMapOvr>
+    <a:masterClrMapping/>
+  </p:clrMapOvr>
+</p:sld>
+</file>
+
+<file path=ppt/slides/slide3.xml><?xml version="1.0" encoding="utf-8"?>
+<p:sld xmlns:a="http://schemas.openxmlformats.org/drawingml/2006/main" xmlns:r="http://schemas.openxmlformats.org/officeDocument/2006/relationships" xmlns:p="http://schemas.openxmlformats.org/presentationml/2006/main">
+  <p:cSld>
+    <p:spTree>
+      <p:nvGrpSpPr>
+        <p:cNvPr id="1" name=""/>
+        <p:cNvGrpSpPr/>
+        <p:nvPr/>
+      </p:nvGrpSpPr>
+      <p:grpSpPr>
+        <a:xfrm>
+          <a:off x="0" y="0"/>
+          <a:ext cx="0" cy="0"/>
+          <a:chOff x="0" y="0"/>
+          <a:chExt cx="0" cy="0"/>
+        </a:xfrm>
+      </p:grpSpPr>
+      <p:sp>
+        <p:nvSpPr>
+          <p:cNvPr id="5" name="Rectangle 4"/>
+          <p:cNvSpPr/>
+          <p:nvPr/>
+        </p:nvSpPr>
+        <p:spPr>
+          <a:xfrm>
+            <a:off x="464535" y="650763"/>
+            <a:ext cx="5759911" cy="769441"/>
+          </a:xfrm>
+          <a:prstGeom prst="rect">
+            <a:avLst/>
+          </a:prstGeom>
+        </p:spPr>
+        <p:txBody>
+          <a:bodyPr wrap="none">
+            <a:spAutoFit/>
+          </a:bodyPr>
+          <a:lstStyle/>
+          <a:p>
+            <a:pPr algn="ctr"/>
+            <a:r>
+              <a:rPr lang="en-US" sz="4400" b="1" dirty="0">
+                <a:solidFill>
+                  <a:schemeClr val="accent2"/>
+                </a:solidFill>
+                <a:latin typeface="Franklin Gothic Medium" panose="020B0603020102020204" pitchFamily="34" charset="0"/>
+              </a:rPr>
+              <a:t>LEARNING OBJECTIVES</a:t>
+            </a:r>
+          </a:p>
+        </p:txBody>
+      </p:sp>
+      <p:sp>
+        <p:nvSpPr>
+          <p:cNvPr id="6" name="TextBox 5"/>
+          <p:cNvSpPr txBox="1"/>
+          <p:nvPr/>
+        </p:nvSpPr>
+        <p:spPr>
+          <a:xfrm>
+            <a:off x="540326" y="1507160"/>
+            <a:ext cx="8961814" cy="4585871"/>
+          </a:xfrm>
+          <a:prstGeom prst="rect">
+            <a:avLst/>
+          </a:prstGeom>
+          <a:noFill/>
+        </p:spPr>
+        <p:txBody>
+          <a:bodyPr wrap="square" rtlCol="0">
+            <a:spAutoFit/>
+          </a:bodyPr>
+          <a:lstStyle/>
+          <a:p>
+            <a:pPr marL="514350" indent="-514350">
+              <a:spcAft>
+                <a:spcPts val="600"/>
+              </a:spcAft>
+              <a:buFont typeface="+mj-lt"/>
+              <a:buAutoNum type="arabicPeriod"/>
+            </a:pPr>
+            <a:r>
+              <a:rPr lang="en-US" sz="2800" b="1" i="1" dirty="0">
+                <a:solidFill>
+                  <a:schemeClr val="bg2">
+                    <a:lumMod val="25000"/>
+                  </a:schemeClr>
+                </a:solidFill>
+                <a:latin typeface="Franklin Gothic Medium" panose="020B0603020102020204" pitchFamily="34" charset="0"/>
+              </a:rPr>
+              <a:t>Become familiar with ggplot2</a:t>
+            </a:r>
+          </a:p>
+          <a:p>
+            <a:pPr marL="514350" indent="-514350">
+              <a:spcAft>
+                <a:spcPts val="600"/>
+              </a:spcAft>
+              <a:buFont typeface="+mj-lt"/>
+              <a:buAutoNum type="arabicPeriod"/>
+            </a:pPr>
+            <a:r>
+              <a:rPr lang="en-US" sz="2800" b="1" i="1" dirty="0">
+                <a:solidFill>
+                  <a:schemeClr val="bg2">
+                    <a:lumMod val="25000"/>
+                  </a:schemeClr>
+                </a:solidFill>
+                <a:latin typeface="Franklin Gothic Medium" panose="020B0603020102020204" pitchFamily="34" charset="0"/>
+              </a:rPr>
+              <a:t>Basic statistical tests in R</a:t>
+            </a:r>
+          </a:p>
+          <a:p>
+            <a:pPr marL="971550" lvl="1" indent="-514350">
+              <a:spcAft>
+                <a:spcPts val="600"/>
+              </a:spcAft>
+              <a:buFont typeface="Arial" panose="020B0604020202020204" pitchFamily="34" charset="0"/>
+              <a:buChar char="•"/>
+            </a:pPr>
+            <a:r>
+              <a:rPr lang="en-US" sz="2800" b="1" i="1" dirty="0">
+                <a:solidFill>
+                  <a:schemeClr val="bg2">
+                    <a:lumMod val="50000"/>
+                  </a:schemeClr>
+                </a:solidFill>
+                <a:latin typeface="Franklin Gothic Medium" panose="020B0603020102020204" pitchFamily="34" charset="0"/>
+              </a:rPr>
+              <a:t>Formatting for base R tests</a:t>
+            </a:r>
+          </a:p>
+          <a:p>
+            <a:pPr marL="1428750" lvl="2" indent="-514350">
+              <a:spcAft>
+                <a:spcPts val="600"/>
+              </a:spcAft>
+              <a:buFont typeface="Arial" panose="020B0604020202020204" pitchFamily="34" charset="0"/>
+              <a:buChar char="•"/>
+            </a:pPr>
+            <a:r>
+              <a:rPr lang="en-US" sz="2800" b="1" i="1" dirty="0">
+                <a:solidFill>
+                  <a:schemeClr val="bg2">
+                    <a:lumMod val="50000"/>
+                  </a:schemeClr>
+                </a:solidFill>
+                <a:latin typeface="Franklin Gothic Medium" panose="020B0603020102020204" pitchFamily="34" charset="0"/>
+              </a:rPr>
+              <a:t>Mann-</a:t>
+            </a:r>
+            <a:r>
+              <a:rPr lang="en-US" sz="2800" b="1" i="1" dirty="0" err="1">
+                <a:solidFill>
+                  <a:schemeClr val="bg2">
+                    <a:lumMod val="50000"/>
+                  </a:schemeClr>
+                </a:solidFill>
+                <a:latin typeface="Franklin Gothic Medium" panose="020B0603020102020204" pitchFamily="34" charset="0"/>
+              </a:rPr>
+              <a:t>whitney</a:t>
+            </a:r>
+            <a:r>
+              <a:rPr lang="en-US" sz="2800" b="1" i="1" dirty="0">
+                <a:solidFill>
+                  <a:schemeClr val="bg2">
+                    <a:lumMod val="50000"/>
+                  </a:schemeClr>
+                </a:solidFill>
+                <a:latin typeface="Franklin Gothic Medium" panose="020B0603020102020204" pitchFamily="34" charset="0"/>
+              </a:rPr>
+              <a:t> as example</a:t>
+            </a:r>
+          </a:p>
+          <a:p>
+            <a:pPr marL="971550" lvl="1" indent="-514350">
+              <a:spcAft>
+                <a:spcPts val="600"/>
+              </a:spcAft>
+              <a:buFont typeface="Arial" panose="020B0604020202020204" pitchFamily="34" charset="0"/>
+              <a:buChar char="•"/>
+            </a:pPr>
+            <a:r>
+              <a:rPr lang="en-US" sz="2800" b="1" i="1" dirty="0">
+                <a:solidFill>
+                  <a:schemeClr val="bg2">
+                    <a:lumMod val="50000"/>
+                  </a:schemeClr>
+                </a:solidFill>
+                <a:latin typeface="Franklin Gothic Medium" panose="020B0603020102020204" pitchFamily="34" charset="0"/>
+              </a:rPr>
+              <a:t>Linear regressions</a:t>
+            </a:r>
+          </a:p>
+          <a:p>
+            <a:pPr marL="514350" indent="-514350">
+              <a:spcAft>
+                <a:spcPts val="600"/>
+              </a:spcAft>
+              <a:buFont typeface="+mj-lt"/>
+              <a:buAutoNum type="arabicPeriod"/>
+            </a:pPr>
+            <a:r>
+              <a:rPr lang="en-US" sz="2800" b="1" i="1" dirty="0">
+                <a:solidFill>
+                  <a:schemeClr val="bg2">
+                    <a:lumMod val="25000"/>
+                  </a:schemeClr>
+                </a:solidFill>
+                <a:latin typeface="Franklin Gothic Medium" panose="020B0603020102020204" pitchFamily="34" charset="0"/>
+              </a:rPr>
+              <a:t>Displaying statistics in R</a:t>
+            </a:r>
+          </a:p>
+          <a:p>
+            <a:pPr marL="971550" lvl="1" indent="-514350">
+              <a:spcAft>
+                <a:spcPts val="600"/>
+              </a:spcAft>
+              <a:buFont typeface="Arial" panose="020B0604020202020204" pitchFamily="34" charset="0"/>
+              <a:buChar char="•"/>
+            </a:pPr>
+            <a:r>
+              <a:rPr lang="en-US" sz="2800" b="1" i="1" dirty="0">
+                <a:solidFill>
+                  <a:schemeClr val="bg2">
+                    <a:lumMod val="50000"/>
+                  </a:schemeClr>
+                </a:solidFill>
+                <a:latin typeface="Franklin Gothic Medium" panose="020B0603020102020204" pitchFamily="34" charset="0"/>
+              </a:rPr>
+              <a:t>Significance bars</a:t>
+            </a:r>
+          </a:p>
+          <a:p>
+            <a:pPr marL="971550" lvl="1" indent="-514350">
+              <a:spcAft>
+                <a:spcPts val="600"/>
+              </a:spcAft>
+              <a:buFont typeface="Arial" panose="020B0604020202020204" pitchFamily="34" charset="0"/>
+              <a:buChar char="•"/>
+            </a:pPr>
+            <a:r>
+              <a:rPr lang="en-US" sz="2800" b="1" i="1" dirty="0">
+                <a:solidFill>
+                  <a:schemeClr val="bg2">
+                    <a:lumMod val="50000"/>
+                  </a:schemeClr>
+                </a:solidFill>
+                <a:latin typeface="Franklin Gothic Medium" panose="020B0603020102020204" pitchFamily="34" charset="0"/>
+              </a:rPr>
+              <a:t>Regression lines</a:t>
+            </a:r>
+          </a:p>
+          <a:p>
+            <a:pPr marL="971550" lvl="1" indent="-514350">
+              <a:spcAft>
+                <a:spcPts val="600"/>
+              </a:spcAft>
+              <a:buFont typeface="Arial" panose="020B0604020202020204" pitchFamily="34" charset="0"/>
+              <a:buChar char="•"/>
+            </a:pPr>
+            <a:r>
+              <a:rPr lang="en-US" sz="2800" b="1" i="1" dirty="0">
+                <a:solidFill>
+                  <a:schemeClr val="bg2">
+                    <a:lumMod val="50000"/>
+                  </a:schemeClr>
+                </a:solidFill>
+                <a:latin typeface="Franklin Gothic Medium" panose="020B0603020102020204" pitchFamily="34" charset="0"/>
+              </a:rPr>
+              <a:t>Displaying p-value cut-offs (practice)</a:t>
+            </a:r>
+          </a:p>
+        </p:txBody>
+      </p:sp>
+    </p:spTree>
+    <p:extLst>
+      <p:ext uri="{BB962C8B-B14F-4D97-AF65-F5344CB8AC3E}">
+        <p14:creationId xmlns:p14="http://schemas.microsoft.com/office/powerpoint/2010/main" val="98776964"/>
+      </p:ext>
+    </p:extLst>
+  </p:cSld>
+  <p:clrMapOvr>
+    <a:masterClrMapping/>
+  </p:clrMapOvr>
+</p:sld>
+</file>
+
+<file path=ppt/slides/slide4.xml><?xml version="1.0" encoding="utf-8"?>
+<p:sld xmlns:a="http://schemas.openxmlformats.org/drawingml/2006/main" xmlns:r="http://schemas.openxmlformats.org/officeDocument/2006/relationships" xmlns:p="http://schemas.openxmlformats.org/presentationml/2006/main">
+  <p:cSld>
+    <p:spTree>
+      <p:nvGrpSpPr>
+        <p:cNvPr id="1" name=""/>
+        <p:cNvGrpSpPr/>
+        <p:nvPr/>
+      </p:nvGrpSpPr>
+      <p:grpSpPr>
+        <a:xfrm>
+          <a:off x="0" y="0"/>
+          <a:ext cx="0" cy="0"/>
+          <a:chOff x="0" y="0"/>
+          <a:chExt cx="0" cy="0"/>
+        </a:xfrm>
+      </p:grpSpPr>
+      <p:sp>
+        <p:nvSpPr>
+          <p:cNvPr id="4" name="Rectangle 3"/>
+          <p:cNvSpPr/>
+          <p:nvPr/>
+        </p:nvSpPr>
+        <p:spPr>
+          <a:xfrm>
+            <a:off x="1969034" y="2587716"/>
+            <a:ext cx="8245483" cy="1446550"/>
+          </a:xfrm>
+          <a:prstGeom prst="rect">
+            <a:avLst/>
+          </a:prstGeom>
+        </p:spPr>
+        <p:txBody>
+          <a:bodyPr wrap="square">
+            <a:spAutoFit/>
+          </a:bodyPr>
+          <a:lstStyle/>
+          <a:p>
+            <a:pPr algn="ctr"/>
+            <a:r>
+              <a:rPr lang="en-US" sz="4400" b="1" i="1" dirty="0">
+                <a:solidFill>
+                  <a:schemeClr val="bg2">
+                    <a:lumMod val="25000"/>
+                  </a:schemeClr>
+                </a:solidFill>
+                <a:latin typeface="Franklin Gothic Medium" panose="020B0603020102020204" pitchFamily="34" charset="0"/>
+              </a:rPr>
+              <a:t>Switching to the R markdown coded document…</a:t>
+            </a:r>
+          </a:p>
+        </p:txBody>
+      </p:sp>
+    </p:spTree>
+    <p:extLst>
+      <p:ext uri="{BB962C8B-B14F-4D97-AF65-F5344CB8AC3E}">
+        <p14:creationId xmlns:p14="http://schemas.microsoft.com/office/powerpoint/2010/main" val="2922840791"/>
+      </p:ext>
+    </p:extLst>
+  </p:cSld>
+  <p:clrMapOvr>
+    <a:masterClrMapping/>
+  </p:clrMapOvr>
+</p:sld>
+</file>
+
+<file path=ppt/slides/slide5.xml><?xml version="1.0" encoding="utf-8"?>
+<p:sld xmlns:a="http://schemas.openxmlformats.org/drawingml/2006/main" xmlns:r="http://schemas.openxmlformats.org/officeDocument/2006/relationships" xmlns:p="http://schemas.openxmlformats.org/presentationml/2006/main">
+  <p:cSld>
+    <p:spTree>
+      <p:nvGrpSpPr>
+        <p:cNvPr id="1" name=""/>
+        <p:cNvGrpSpPr/>
+        <p:nvPr/>
+      </p:nvGrpSpPr>
+      <p:grpSpPr>
+        <a:xfrm>
+          <a:off x="0" y="0"/>
+          <a:ext cx="0" cy="0"/>
+          <a:chOff x="0" y="0"/>
+          <a:chExt cx="0" cy="0"/>
+        </a:xfrm>
+      </p:grpSpPr>
+      <p:sp>
+        <p:nvSpPr>
+          <p:cNvPr id="4" name="Title 1"/>
+          <p:cNvSpPr txBox="1">
+            <a:spLocks/>
+          </p:cNvSpPr>
+          <p:nvPr/>
+        </p:nvSpPr>
+        <p:spPr>
+          <a:xfrm>
+            <a:off x="540326" y="354968"/>
+            <a:ext cx="10515600" cy="1325563"/>
+          </a:xfrm>
+          <a:prstGeom prst="rect">
+            <a:avLst/>
+          </a:prstGeom>
+        </p:spPr>
+        <p:txBody>
+          <a:bodyPr vert="horz" lIns="91440" tIns="45720" rIns="91440" bIns="45720" rtlCol="0" anchor="ctr">
+            <a:normAutofit/>
+          </a:bodyPr>
+          <a:lstStyle>
+            <a:lvl1pPr algn="l" defTabSz="914400" rtl="0" eaLnBrk="1" latinLnBrk="0" hangingPunct="1">
+              <a:lnSpc>
+                <a:spcPct val="90000"/>
+              </a:lnSpc>
+              <a:spcBef>
+                <a:spcPct val="0"/>
+              </a:spcBef>
+              <a:buNone/>
+              <a:defRPr sz="4400" kern="1200">
+                <a:solidFill>
+                  <a:schemeClr val="tx1"/>
+                </a:solidFill>
+                <a:latin typeface="+mj-lt"/>
+                <a:ea typeface="+mj-ea"/>
+                <a:cs typeface="+mj-cs"/>
+              </a:defRPr>
+            </a:lvl1pPr>
+          </a:lstStyle>
+          <a:p>
+            <a:r>
+              <a:rPr lang="en-US" b="1" dirty="0">
+                <a:solidFill>
+                  <a:schemeClr val="accent2"/>
+                </a:solidFill>
+                <a:latin typeface="Franklin Gothic Medium" panose="020B0603020102020204" pitchFamily="34" charset="0"/>
+              </a:rPr>
+              <a:t>HELPFUL RESOURCES</a:t>
+            </a:r>
+          </a:p>
+        </p:txBody>
+      </p:sp>
+      <p:sp>
+        <p:nvSpPr>
+          <p:cNvPr id="5" name="Rectangle 4"/>
+          <p:cNvSpPr/>
+          <p:nvPr/>
+        </p:nvSpPr>
+        <p:spPr>
+          <a:xfrm>
+            <a:off x="607959" y="1513963"/>
+            <a:ext cx="10266368" cy="5062924"/>
+          </a:xfrm>
+          <a:prstGeom prst="rect">
+            <a:avLst/>
+          </a:prstGeom>
+        </p:spPr>
+        <p:txBody>
+          <a:bodyPr wrap="square">
+            <a:spAutoFit/>
+          </a:bodyPr>
+          <a:lstStyle/>
+          <a:p>
+            <a:pPr marL="457200" indent="-457200">
+              <a:spcAft>
+                <a:spcPts val="600"/>
+              </a:spcAft>
+              <a:buFont typeface="Arial" panose="020B0604020202020204" pitchFamily="34" charset="0"/>
+              <a:buChar char="•"/>
+            </a:pPr>
+            <a:r>
+              <a:rPr lang="en-US" sz="3200" i="1" dirty="0">
+                <a:solidFill>
+                  <a:srgbClr val="0070C0"/>
+                </a:solidFill>
+                <a:latin typeface="Franklin Gothic Medium" panose="020B0603020102020204" pitchFamily="34" charset="0"/>
+                <a:hlinkClick r:id="rId3"/>
+              </a:rPr>
+              <a:t>George &amp; Fay Yee Centre for Health Care Innovation </a:t>
+            </a:r>
+            <a:endParaRPr lang="en-US" sz="3200" i="1" dirty="0">
+              <a:solidFill>
+                <a:srgbClr val="0070C0"/>
+              </a:solidFill>
+              <a:latin typeface="Franklin Gothic Medium" panose="020B0603020102020204" pitchFamily="34" charset="0"/>
+              <a:hlinkClick r:id="rId4"/>
+            </a:endParaRPr>
+          </a:p>
+          <a:p>
+            <a:pPr marL="457200" indent="-457200">
+              <a:spcAft>
+                <a:spcPts val="600"/>
+              </a:spcAft>
+              <a:buFont typeface="Arial" panose="020B0604020202020204" pitchFamily="34" charset="0"/>
+              <a:buChar char="•"/>
+            </a:pPr>
+            <a:r>
+              <a:rPr lang="en-US" sz="3200" i="1" dirty="0">
+                <a:solidFill>
+                  <a:srgbClr val="0070C0"/>
+                </a:solidFill>
+                <a:latin typeface="Franklin Gothic Medium" panose="020B0603020102020204" pitchFamily="34" charset="0"/>
+                <a:hlinkClick r:id="rId4"/>
+              </a:rPr>
+              <a:t>Choosing the correct statistical test in SAS, STATA, SPSS, and R</a:t>
+            </a:r>
+            <a:endParaRPr lang="en-US" sz="3200" i="1" dirty="0">
+              <a:solidFill>
+                <a:srgbClr val="0070C0"/>
+              </a:solidFill>
+              <a:latin typeface="Franklin Gothic Medium" panose="020B0603020102020204" pitchFamily="34" charset="0"/>
+            </a:endParaRPr>
+          </a:p>
+          <a:p>
+            <a:pPr marL="457200" indent="-457200">
+              <a:spcAft>
+                <a:spcPts val="600"/>
+              </a:spcAft>
+              <a:buFont typeface="Arial" panose="020B0604020202020204" pitchFamily="34" charset="0"/>
+              <a:buChar char="•"/>
+            </a:pPr>
+            <a:r>
+              <a:rPr lang="en-US" sz="3200" i="1" dirty="0">
+                <a:solidFill>
+                  <a:srgbClr val="0070C0"/>
+                </a:solidFill>
+                <a:latin typeface="Franklin Gothic Medium" panose="020B0603020102020204" pitchFamily="34" charset="0"/>
+                <a:hlinkClick r:id="rId5"/>
+              </a:rPr>
+              <a:t>R for data science</a:t>
+            </a:r>
+            <a:endParaRPr lang="en-US" sz="3200" i="1" dirty="0">
+              <a:solidFill>
+                <a:srgbClr val="0070C0"/>
+              </a:solidFill>
+              <a:latin typeface="Franklin Gothic Medium" panose="020B0603020102020204" pitchFamily="34" charset="0"/>
+            </a:endParaRPr>
+          </a:p>
+          <a:p>
+            <a:pPr marL="457200" indent="-457200">
+              <a:spcAft>
+                <a:spcPts val="600"/>
+              </a:spcAft>
+              <a:buFont typeface="Arial" panose="020B0604020202020204" pitchFamily="34" charset="0"/>
+              <a:buChar char="•"/>
+            </a:pPr>
+            <a:r>
+              <a:rPr lang="en-US" sz="3200" i="1" dirty="0">
+                <a:solidFill>
+                  <a:srgbClr val="0070C0"/>
+                </a:solidFill>
+                <a:latin typeface="Franklin Gothic Medium" panose="020B0603020102020204" pitchFamily="34" charset="0"/>
+                <a:hlinkClick r:id="rId6"/>
+              </a:rPr>
+              <a:t>R graphics cookbook</a:t>
+            </a:r>
+            <a:endParaRPr lang="en-US" sz="3200" i="1" dirty="0">
+              <a:solidFill>
+                <a:srgbClr val="0070C0"/>
+              </a:solidFill>
+              <a:latin typeface="Franklin Gothic Medium" panose="020B0603020102020204" pitchFamily="34" charset="0"/>
+            </a:endParaRPr>
+          </a:p>
+          <a:p>
+            <a:pPr marL="457200" indent="-457200">
+              <a:spcAft>
+                <a:spcPts val="600"/>
+              </a:spcAft>
+              <a:buFont typeface="Arial" panose="020B0604020202020204" pitchFamily="34" charset="0"/>
+              <a:buChar char="•"/>
+            </a:pPr>
+            <a:r>
+              <a:rPr lang="en-US" sz="3200" i="1" dirty="0">
+                <a:solidFill>
+                  <a:srgbClr val="0070C0"/>
+                </a:solidFill>
+                <a:latin typeface="Franklin Gothic Medium" panose="020B0603020102020204" pitchFamily="34" charset="0"/>
+                <a:hlinkClick r:id="rId7"/>
+              </a:rPr>
+              <a:t>ggplot2 cheat sheet</a:t>
+            </a:r>
+            <a:endParaRPr lang="en-US" sz="3200" i="1" dirty="0">
+              <a:solidFill>
+                <a:srgbClr val="0070C0"/>
+              </a:solidFill>
+              <a:latin typeface="Franklin Gothic Medium" panose="020B0603020102020204" pitchFamily="34" charset="0"/>
+            </a:endParaRPr>
+          </a:p>
+          <a:p>
+            <a:pPr marL="457200" indent="-457200">
+              <a:spcAft>
+                <a:spcPts val="600"/>
+              </a:spcAft>
+              <a:buFont typeface="Arial" panose="020B0604020202020204" pitchFamily="34" charset="0"/>
+              <a:buChar char="•"/>
+            </a:pPr>
+            <a:r>
+              <a:rPr lang="en-US" sz="3200" i="1" dirty="0">
+                <a:solidFill>
+                  <a:srgbClr val="0070C0"/>
+                </a:solidFill>
+                <a:latin typeface="Franklin Gothic Medium" panose="020B0603020102020204" pitchFamily="34" charset="0"/>
+                <a:hlinkClick r:id="rId8"/>
+              </a:rPr>
+              <a:t>The R graph gallery: ggplot2</a:t>
+            </a:r>
+            <a:endParaRPr lang="en-US" sz="3200" i="1" dirty="0">
+              <a:solidFill>
+                <a:srgbClr val="0070C0"/>
+              </a:solidFill>
+              <a:latin typeface="Franklin Gothic Medium" panose="020B0603020102020204" pitchFamily="34" charset="0"/>
+            </a:endParaRPr>
+          </a:p>
+          <a:p>
+            <a:pPr marL="457200" indent="-457200">
+              <a:spcAft>
+                <a:spcPts val="600"/>
+              </a:spcAft>
+              <a:buFont typeface="Arial" panose="020B0604020202020204" pitchFamily="34" charset="0"/>
+              <a:buChar char="•"/>
+            </a:pPr>
+            <a:r>
+              <a:rPr lang="en-US" sz="3200" i="1" dirty="0">
+                <a:solidFill>
+                  <a:srgbClr val="0070C0"/>
+                </a:solidFill>
+                <a:latin typeface="Franklin Gothic Medium" panose="020B0603020102020204" pitchFamily="34" charset="0"/>
+                <a:hlinkClick r:id="rId9"/>
+              </a:rPr>
+              <a:t>How to make any graph in ggplot2</a:t>
+            </a:r>
+            <a:endParaRPr lang="en-US" sz="3200" i="1" dirty="0">
+              <a:solidFill>
+                <a:srgbClr val="0070C0"/>
+              </a:solidFill>
+              <a:latin typeface="Franklin Gothic Medium" panose="020B0603020102020204" pitchFamily="34" charset="0"/>
+            </a:endParaRPr>
+          </a:p>
+          <a:p>
+            <a:pPr marL="457200" indent="-457200">
+              <a:spcAft>
+                <a:spcPts val="600"/>
+              </a:spcAft>
+              <a:buFont typeface="Arial" panose="020B0604020202020204" pitchFamily="34" charset="0"/>
+              <a:buChar char="•"/>
+            </a:pPr>
+            <a:r>
+              <a:rPr lang="en-US" sz="3200" i="1" dirty="0">
+                <a:solidFill>
+                  <a:srgbClr val="0070C0"/>
+                </a:solidFill>
+                <a:latin typeface="Franklin Gothic Medium" panose="020B0603020102020204" pitchFamily="34" charset="0"/>
+                <a:hlinkClick r:id="rId10"/>
+              </a:rPr>
+              <a:t>Data carpentry: Data visualization with ggplot2</a:t>
+            </a:r>
+            <a:endParaRPr lang="en-US" sz="3200" i="1" dirty="0">
+              <a:solidFill>
+                <a:srgbClr val="0070C0"/>
+              </a:solidFill>
+              <a:latin typeface="Franklin Gothic Medium" panose="020B0603020102020204" pitchFamily="34" charset="0"/>
+            </a:endParaRPr>
+          </a:p>
+        </p:txBody>
+      </p:sp>
+    </p:spTree>
+    <p:extLst>
+      <p:ext uri="{BB962C8B-B14F-4D97-AF65-F5344CB8AC3E}">
+        <p14:creationId xmlns:p14="http://schemas.microsoft.com/office/powerpoint/2010/main" val="318470091"/>
+      </p:ext>
+    </p:extLst>
+  </p:cSld>
+  <p:clrMapOvr>
+    <a:masterClrMapping/>
+  </p:clrMapOvr>
+</p:sld>
+</file>
+
+<file path=ppt/slides/slide6.xml><?xml version="1.0" encoding="utf-8"?>
 <p:sld xmlns:a="http://schemas.openxmlformats.org/drawingml/2006/main" xmlns:r="http://schemas.openxmlformats.org/officeDocument/2006/relationships" xmlns:p="http://schemas.openxmlformats.org/presentationml/2006/main">
   <p:cSld>
     <p:spTree>
@@ -6394,1585 +6966,6 @@
     <p:extLst>
       <p:ext uri="{BB962C8B-B14F-4D97-AF65-F5344CB8AC3E}">
         <p14:creationId xmlns:p14="http://schemas.microsoft.com/office/powerpoint/2010/main" val="2868513177"/>
-      </p:ext>
-    </p:extLst>
-  </p:cSld>
-  <p:clrMapOvr>
-    <a:masterClrMapping/>
-  </p:clrMapOvr>
-</p:sld>
-</file>
-
-<file path=ppt/slides/slide2.xml><?xml version="1.0" encoding="utf-8"?>
-<p:sld xmlns:a="http://schemas.openxmlformats.org/drawingml/2006/main" xmlns:r="http://schemas.openxmlformats.org/officeDocument/2006/relationships" xmlns:p="http://schemas.openxmlformats.org/presentationml/2006/main">
-  <p:cSld>
-    <p:spTree>
-      <p:nvGrpSpPr>
-        <p:cNvPr id="1" name=""/>
-        <p:cNvGrpSpPr/>
-        <p:nvPr/>
-      </p:nvGrpSpPr>
-      <p:grpSpPr>
-        <a:xfrm>
-          <a:off x="0" y="0"/>
-          <a:ext cx="0" cy="0"/>
-          <a:chOff x="0" y="0"/>
-          <a:chExt cx="0" cy="0"/>
-        </a:xfrm>
-      </p:grpSpPr>
-      <p:sp>
-        <p:nvSpPr>
-          <p:cNvPr id="4" name="TextBox 3"/>
-          <p:cNvSpPr txBox="1"/>
-          <p:nvPr/>
-        </p:nvSpPr>
-        <p:spPr>
-          <a:xfrm>
-            <a:off x="-783792" y="744657"/>
-            <a:ext cx="13445556" cy="4893647"/>
-          </a:xfrm>
-          <a:prstGeom prst="rect">
-            <a:avLst/>
-          </a:prstGeom>
-          <a:noFill/>
-        </p:spPr>
-        <p:txBody>
-          <a:bodyPr wrap="square" rtlCol="0">
-            <a:spAutoFit/>
-          </a:bodyPr>
-          <a:lstStyle/>
-          <a:p>
-            <a:pPr algn="ctr"/>
-            <a:r>
-              <a:rPr lang="en-US" sz="4800" b="1" u="sng" dirty="0">
-                <a:solidFill>
-                  <a:schemeClr val="accent2"/>
-                </a:solidFill>
-                <a:latin typeface="Franklin Gothic Medium" panose="020B0603020102020204" pitchFamily="34" charset="0"/>
-              </a:rPr>
-              <a:t>INFORMATION FOR PARTICIPANTS</a:t>
-            </a:r>
-          </a:p>
-          <a:p>
-            <a:pPr algn="ctr"/>
-            <a:endParaRPr lang="en-US" sz="4000" b="1" dirty="0">
-              <a:solidFill>
-                <a:schemeClr val="bg2">
-                  <a:lumMod val="25000"/>
-                </a:schemeClr>
-              </a:solidFill>
-              <a:latin typeface="Franklin Gothic Medium" panose="020B0603020102020204" pitchFamily="34" charset="0"/>
-            </a:endParaRPr>
-          </a:p>
-          <a:p>
-            <a:pPr algn="ctr"/>
-            <a:r>
-              <a:rPr lang="en-US" sz="4000" b="1" dirty="0">
-                <a:solidFill>
-                  <a:schemeClr val="bg2">
-                    <a:lumMod val="25000"/>
-                  </a:schemeClr>
-                </a:solidFill>
-                <a:latin typeface="Franklin Gothic Medium" panose="020B0603020102020204" pitchFamily="34" charset="0"/>
-              </a:rPr>
-              <a:t>All workshops are being recorded and posted to the</a:t>
-            </a:r>
-          </a:p>
-          <a:p>
-            <a:pPr algn="ctr"/>
-            <a:r>
-              <a:rPr lang="en-US" sz="3600" u="sng" dirty="0">
-                <a:solidFill>
-                  <a:srgbClr val="0070C0"/>
-                </a:solidFill>
-                <a:latin typeface="Franklin Gothic Medium" panose="020B0603020102020204" pitchFamily="34" charset="0"/>
-                <a:hlinkClick r:id="rId2"/>
-              </a:rPr>
-              <a:t>MMID Coding Workshop - YouTube</a:t>
-            </a:r>
-            <a:endParaRPr lang="en-US" sz="6600" b="1" i="1" dirty="0">
-              <a:solidFill>
-                <a:srgbClr val="0070C0"/>
-              </a:solidFill>
-              <a:latin typeface="Franklin Gothic Medium" panose="020B0603020102020204" pitchFamily="34" charset="0"/>
-            </a:endParaRPr>
-          </a:p>
-          <a:p>
-            <a:pPr algn="ctr"/>
-            <a:endParaRPr lang="en-US" sz="4000" b="1" i="1" dirty="0">
-              <a:solidFill>
-                <a:schemeClr val="bg2">
-                  <a:lumMod val="25000"/>
-                </a:schemeClr>
-              </a:solidFill>
-              <a:latin typeface="Franklin Gothic Medium" panose="020B0603020102020204" pitchFamily="34" charset="0"/>
-            </a:endParaRPr>
-          </a:p>
-          <a:p>
-            <a:pPr algn="ctr"/>
-            <a:endParaRPr lang="en-US" sz="4000" b="1" i="1" dirty="0">
-              <a:solidFill>
-                <a:schemeClr val="bg2">
-                  <a:lumMod val="25000"/>
-                </a:schemeClr>
-              </a:solidFill>
-              <a:latin typeface="Franklin Gothic Medium" panose="020B0603020102020204" pitchFamily="34" charset="0"/>
-            </a:endParaRPr>
-          </a:p>
-          <a:p>
-            <a:pPr algn="ctr"/>
-            <a:r>
-              <a:rPr lang="en-US" sz="4000" b="1" i="1" dirty="0">
-                <a:solidFill>
-                  <a:schemeClr val="bg2">
-                    <a:lumMod val="25000"/>
-                  </a:schemeClr>
-                </a:solidFill>
-                <a:latin typeface="Franklin Gothic Medium" panose="020B0603020102020204" pitchFamily="34" charset="0"/>
-              </a:rPr>
-              <a:t>Question and Answer period </a:t>
-            </a:r>
-            <a:r>
-              <a:rPr lang="en-US" sz="4000" b="1" i="1" u="sng" dirty="0">
-                <a:solidFill>
-                  <a:schemeClr val="bg2">
-                    <a:lumMod val="25000"/>
-                  </a:schemeClr>
-                </a:solidFill>
-                <a:latin typeface="Franklin Gothic Medium" panose="020B0603020102020204" pitchFamily="34" charset="0"/>
-              </a:rPr>
-              <a:t>will not be recorded.</a:t>
-            </a:r>
-          </a:p>
-          <a:p>
-            <a:pPr algn="ctr"/>
-            <a:endParaRPr lang="en-US" sz="2800" b="1" i="1" dirty="0">
-              <a:solidFill>
-                <a:schemeClr val="bg2">
-                  <a:lumMod val="25000"/>
-                </a:schemeClr>
-              </a:solidFill>
-              <a:latin typeface="Franklin Gothic Medium" panose="020B0603020102020204" pitchFamily="34" charset="0"/>
-            </a:endParaRPr>
-          </a:p>
-        </p:txBody>
-      </p:sp>
-    </p:spTree>
-    <p:extLst>
-      <p:ext uri="{BB962C8B-B14F-4D97-AF65-F5344CB8AC3E}">
-        <p14:creationId xmlns:p14="http://schemas.microsoft.com/office/powerpoint/2010/main" val="375740849"/>
-      </p:ext>
-    </p:extLst>
-  </p:cSld>
-  <p:clrMapOvr>
-    <a:masterClrMapping/>
-  </p:clrMapOvr>
-</p:sld>
-</file>
-
-<file path=ppt/slides/slide3.xml><?xml version="1.0" encoding="utf-8"?>
-<p:sld xmlns:a="http://schemas.openxmlformats.org/drawingml/2006/main" xmlns:r="http://schemas.openxmlformats.org/officeDocument/2006/relationships" xmlns:p="http://schemas.openxmlformats.org/presentationml/2006/main">
-  <p:cSld>
-    <p:spTree>
-      <p:nvGrpSpPr>
-        <p:cNvPr id="1" name=""/>
-        <p:cNvGrpSpPr/>
-        <p:nvPr/>
-      </p:nvGrpSpPr>
-      <p:grpSpPr>
-        <a:xfrm>
-          <a:off x="0" y="0"/>
-          <a:ext cx="0" cy="0"/>
-          <a:chOff x="0" y="0"/>
-          <a:chExt cx="0" cy="0"/>
-        </a:xfrm>
-      </p:grpSpPr>
-      <p:sp>
-        <p:nvSpPr>
-          <p:cNvPr id="5" name="Rectangle 4"/>
-          <p:cNvSpPr/>
-          <p:nvPr/>
-        </p:nvSpPr>
-        <p:spPr>
-          <a:xfrm>
-            <a:off x="464535" y="650763"/>
-            <a:ext cx="5759911" cy="769441"/>
-          </a:xfrm>
-          <a:prstGeom prst="rect">
-            <a:avLst/>
-          </a:prstGeom>
-        </p:spPr>
-        <p:txBody>
-          <a:bodyPr wrap="none">
-            <a:spAutoFit/>
-          </a:bodyPr>
-          <a:lstStyle/>
-          <a:p>
-            <a:pPr algn="ctr"/>
-            <a:r>
-              <a:rPr lang="en-US" sz="4400" b="1" dirty="0">
-                <a:solidFill>
-                  <a:schemeClr val="accent2"/>
-                </a:solidFill>
-                <a:latin typeface="Franklin Gothic Medium" panose="020B0603020102020204" pitchFamily="34" charset="0"/>
-              </a:rPr>
-              <a:t>LEARNING OBJECTIVES</a:t>
-            </a:r>
-          </a:p>
-        </p:txBody>
-      </p:sp>
-      <p:sp>
-        <p:nvSpPr>
-          <p:cNvPr id="6" name="TextBox 5"/>
-          <p:cNvSpPr txBox="1"/>
-          <p:nvPr/>
-        </p:nvSpPr>
-        <p:spPr>
-          <a:xfrm>
-            <a:off x="540326" y="1704109"/>
-            <a:ext cx="8961814" cy="1723549"/>
-          </a:xfrm>
-          <a:prstGeom prst="rect">
-            <a:avLst/>
-          </a:prstGeom>
-          <a:noFill/>
-        </p:spPr>
-        <p:txBody>
-          <a:bodyPr wrap="square" rtlCol="0">
-            <a:spAutoFit/>
-          </a:bodyPr>
-          <a:lstStyle/>
-          <a:p>
-            <a:pPr marL="514350" indent="-514350">
-              <a:spcAft>
-                <a:spcPts val="600"/>
-              </a:spcAft>
-              <a:buFont typeface="+mj-lt"/>
-              <a:buAutoNum type="arabicPeriod"/>
-            </a:pPr>
-            <a:r>
-              <a:rPr lang="en-US" sz="3200" b="1" i="1" dirty="0">
-                <a:solidFill>
-                  <a:schemeClr val="bg2">
-                    <a:lumMod val="25000"/>
-                  </a:schemeClr>
-                </a:solidFill>
-                <a:latin typeface="Franklin Gothic Medium" panose="020B0603020102020204" pitchFamily="34" charset="0"/>
-              </a:rPr>
-              <a:t>Become familiar with ggplot2</a:t>
-            </a:r>
-          </a:p>
-          <a:p>
-            <a:pPr marL="514350" indent="-514350">
-              <a:spcAft>
-                <a:spcPts val="600"/>
-              </a:spcAft>
-              <a:buFont typeface="+mj-lt"/>
-              <a:buAutoNum type="arabicPeriod"/>
-            </a:pPr>
-            <a:r>
-              <a:rPr lang="en-US" sz="3200" b="1" i="1" dirty="0">
-                <a:solidFill>
-                  <a:schemeClr val="bg2">
-                    <a:lumMod val="25000"/>
-                  </a:schemeClr>
-                </a:solidFill>
-                <a:latin typeface="Franklin Gothic Medium" panose="020B0603020102020204" pitchFamily="34" charset="0"/>
-              </a:rPr>
-              <a:t>Learn how to run basic statistical tests in R</a:t>
-            </a:r>
-          </a:p>
-          <a:p>
-            <a:pPr marL="514350" indent="-514350">
-              <a:spcAft>
-                <a:spcPts val="600"/>
-              </a:spcAft>
-              <a:buFont typeface="+mj-lt"/>
-              <a:buAutoNum type="arabicPeriod"/>
-            </a:pPr>
-            <a:r>
-              <a:rPr lang="en-US" sz="3200" b="1" i="1" dirty="0">
-                <a:solidFill>
-                  <a:schemeClr val="bg2">
-                    <a:lumMod val="25000"/>
-                  </a:schemeClr>
-                </a:solidFill>
-                <a:latin typeface="Franklin Gothic Medium" panose="020B0603020102020204" pitchFamily="34" charset="0"/>
-              </a:rPr>
-              <a:t>Learn how to add statistics to </a:t>
-            </a:r>
-            <a:r>
-              <a:rPr lang="en-US" sz="3200" b="1" i="1" dirty="0" err="1">
-                <a:solidFill>
-                  <a:schemeClr val="bg2">
-                    <a:lumMod val="25000"/>
-                  </a:schemeClr>
-                </a:solidFill>
-                <a:latin typeface="Franklin Gothic Medium" panose="020B0603020102020204" pitchFamily="34" charset="0"/>
-              </a:rPr>
-              <a:t>ggplots</a:t>
-            </a:r>
-            <a:endParaRPr lang="en-US" sz="3200" b="1" i="1" dirty="0">
-              <a:solidFill>
-                <a:schemeClr val="bg2">
-                  <a:lumMod val="25000"/>
-                </a:schemeClr>
-              </a:solidFill>
-              <a:latin typeface="Franklin Gothic Medium" panose="020B0603020102020204" pitchFamily="34" charset="0"/>
-            </a:endParaRPr>
-          </a:p>
-        </p:txBody>
-      </p:sp>
-    </p:spTree>
-    <p:extLst>
-      <p:ext uri="{BB962C8B-B14F-4D97-AF65-F5344CB8AC3E}">
-        <p14:creationId xmlns:p14="http://schemas.microsoft.com/office/powerpoint/2010/main" val="98776964"/>
-      </p:ext>
-    </p:extLst>
-  </p:cSld>
-  <p:clrMapOvr>
-    <a:masterClrMapping/>
-  </p:clrMapOvr>
-</p:sld>
-</file>
-
-<file path=ppt/slides/slide4.xml><?xml version="1.0" encoding="utf-8"?>
-<p:sld xmlns:a="http://schemas.openxmlformats.org/drawingml/2006/main" xmlns:r="http://schemas.openxmlformats.org/officeDocument/2006/relationships" xmlns:p="http://schemas.openxmlformats.org/presentationml/2006/main">
-  <p:cSld>
-    <p:spTree>
-      <p:nvGrpSpPr>
-        <p:cNvPr id="1" name=""/>
-        <p:cNvGrpSpPr/>
-        <p:nvPr/>
-      </p:nvGrpSpPr>
-      <p:grpSpPr>
-        <a:xfrm>
-          <a:off x="0" y="0"/>
-          <a:ext cx="0" cy="0"/>
-          <a:chOff x="0" y="0"/>
-          <a:chExt cx="0" cy="0"/>
-        </a:xfrm>
-      </p:grpSpPr>
-      <p:sp>
-        <p:nvSpPr>
-          <p:cNvPr id="4" name="Rectangle 3">
-            <a:extLst>
-              <a:ext uri="{FF2B5EF4-FFF2-40B4-BE49-F238E27FC236}">
-                <a16:creationId xmlns:a16="http://schemas.microsoft.com/office/drawing/2014/main" id="{14903B75-1E28-9647-B64E-BB6EC02441A8}"/>
-              </a:ext>
-            </a:extLst>
-          </p:cNvPr>
-          <p:cNvSpPr/>
-          <p:nvPr/>
-        </p:nvSpPr>
-        <p:spPr>
-          <a:xfrm>
-            <a:off x="464535" y="650763"/>
-            <a:ext cx="3550908" cy="769441"/>
-          </a:xfrm>
-          <a:prstGeom prst="rect">
-            <a:avLst/>
-          </a:prstGeom>
-        </p:spPr>
-        <p:txBody>
-          <a:bodyPr wrap="none">
-            <a:spAutoFit/>
-          </a:bodyPr>
-          <a:lstStyle/>
-          <a:p>
-            <a:r>
-              <a:rPr lang="en-US" sz="4400" b="1" dirty="0">
-                <a:solidFill>
-                  <a:schemeClr val="accent2"/>
-                </a:solidFill>
-                <a:latin typeface="Franklin Gothic Medium" panose="020B0603020102020204" pitchFamily="34" charset="0"/>
-              </a:rPr>
-              <a:t>THE DATA SET</a:t>
-            </a:r>
-          </a:p>
-        </p:txBody>
-      </p:sp>
-      <p:pic>
-        <p:nvPicPr>
-          <p:cNvPr id="2" name="Picture 1">
-            <a:extLst>
-              <a:ext uri="{FF2B5EF4-FFF2-40B4-BE49-F238E27FC236}">
-                <a16:creationId xmlns:a16="http://schemas.microsoft.com/office/drawing/2014/main" id="{69BE74AF-6B5C-40B2-994F-682F663A6B25}"/>
-              </a:ext>
-            </a:extLst>
-          </p:cNvPr>
-          <p:cNvPicPr>
-            <a:picLocks noChangeAspect="1"/>
-          </p:cNvPicPr>
-          <p:nvPr/>
-        </p:nvPicPr>
-        <p:blipFill>
-          <a:blip r:embed="rId3"/>
-          <a:stretch>
-            <a:fillRect/>
-          </a:stretch>
-        </p:blipFill>
-        <p:spPr>
-          <a:xfrm>
-            <a:off x="1829256" y="1594194"/>
-            <a:ext cx="8533487" cy="4713841"/>
-          </a:xfrm>
-          <a:prstGeom prst="rect">
-            <a:avLst/>
-          </a:prstGeom>
-          <a:ln>
-            <a:solidFill>
-              <a:schemeClr val="tx1"/>
-            </a:solidFill>
-          </a:ln>
-        </p:spPr>
-      </p:pic>
-    </p:spTree>
-    <p:extLst>
-      <p:ext uri="{BB962C8B-B14F-4D97-AF65-F5344CB8AC3E}">
-        <p14:creationId xmlns:p14="http://schemas.microsoft.com/office/powerpoint/2010/main" val="3318956856"/>
-      </p:ext>
-    </p:extLst>
-  </p:cSld>
-  <p:clrMapOvr>
-    <a:masterClrMapping/>
-  </p:clrMapOvr>
-</p:sld>
-</file>
-
-<file path=ppt/slides/slide5.xml><?xml version="1.0" encoding="utf-8"?>
-<p:sld xmlns:a="http://schemas.openxmlformats.org/drawingml/2006/main" xmlns:r="http://schemas.openxmlformats.org/officeDocument/2006/relationships" xmlns:p="http://schemas.openxmlformats.org/presentationml/2006/main">
-  <p:cSld>
-    <p:spTree>
-      <p:nvGrpSpPr>
-        <p:cNvPr id="1" name=""/>
-        <p:cNvGrpSpPr/>
-        <p:nvPr/>
-      </p:nvGrpSpPr>
-      <p:grpSpPr>
-        <a:xfrm>
-          <a:off x="0" y="0"/>
-          <a:ext cx="0" cy="0"/>
-          <a:chOff x="0" y="0"/>
-          <a:chExt cx="0" cy="0"/>
-        </a:xfrm>
-      </p:grpSpPr>
-      <p:sp>
-        <p:nvSpPr>
-          <p:cNvPr id="4" name="Rectangle 3">
-            <a:extLst>
-              <a:ext uri="{FF2B5EF4-FFF2-40B4-BE49-F238E27FC236}">
-                <a16:creationId xmlns:a16="http://schemas.microsoft.com/office/drawing/2014/main" id="{76ECDD8C-5CC7-E943-8318-FF3CAC225708}"/>
-              </a:ext>
-            </a:extLst>
-          </p:cNvPr>
-          <p:cNvSpPr/>
-          <p:nvPr/>
-        </p:nvSpPr>
-        <p:spPr>
-          <a:xfrm>
-            <a:off x="464535" y="650763"/>
-            <a:ext cx="2621808" cy="769441"/>
-          </a:xfrm>
-          <a:prstGeom prst="rect">
-            <a:avLst/>
-          </a:prstGeom>
-        </p:spPr>
-        <p:txBody>
-          <a:bodyPr wrap="none">
-            <a:spAutoFit/>
-          </a:bodyPr>
-          <a:lstStyle/>
-          <a:p>
-            <a:r>
-              <a:rPr lang="en-US" sz="4400" b="1" dirty="0">
-                <a:solidFill>
-                  <a:schemeClr val="accent2"/>
-                </a:solidFill>
-                <a:latin typeface="Franklin Gothic Medium" panose="020B0603020102020204" pitchFamily="34" charset="0"/>
-              </a:rPr>
-              <a:t>GGPLOT2 </a:t>
-            </a:r>
-          </a:p>
-        </p:txBody>
-      </p:sp>
-      <p:sp>
-        <p:nvSpPr>
-          <p:cNvPr id="7" name="TextBox 6">
-            <a:extLst>
-              <a:ext uri="{FF2B5EF4-FFF2-40B4-BE49-F238E27FC236}">
-                <a16:creationId xmlns:a16="http://schemas.microsoft.com/office/drawing/2014/main" id="{7569E2A6-8F92-A64C-A438-FDDFF87238DE}"/>
-              </a:ext>
-            </a:extLst>
-          </p:cNvPr>
-          <p:cNvSpPr txBox="1"/>
-          <p:nvPr/>
-        </p:nvSpPr>
-        <p:spPr>
-          <a:xfrm>
-            <a:off x="540326" y="1704109"/>
-            <a:ext cx="8961814" cy="584775"/>
-          </a:xfrm>
-          <a:prstGeom prst="rect">
-            <a:avLst/>
-          </a:prstGeom>
-          <a:noFill/>
-        </p:spPr>
-        <p:txBody>
-          <a:bodyPr wrap="square" rtlCol="0">
-            <a:spAutoFit/>
-          </a:bodyPr>
-          <a:lstStyle/>
-          <a:p>
-            <a:pPr marL="457200" indent="-457200">
-              <a:spcAft>
-                <a:spcPts val="600"/>
-              </a:spcAft>
-              <a:buFont typeface="Arial" panose="020B0604020202020204" pitchFamily="34" charset="0"/>
-              <a:buChar char="•"/>
-            </a:pPr>
-            <a:r>
-              <a:rPr lang="en-US" sz="3200" i="1" dirty="0">
-                <a:solidFill>
-                  <a:schemeClr val="bg2">
-                    <a:lumMod val="25000"/>
-                  </a:schemeClr>
-                </a:solidFill>
-                <a:latin typeface="Franklin Gothic Medium" panose="020B0603020102020204" pitchFamily="34" charset="0"/>
-              </a:rPr>
-              <a:t>Part of the </a:t>
-            </a:r>
-            <a:r>
-              <a:rPr lang="en-US" sz="3200" i="1" dirty="0" err="1">
-                <a:solidFill>
-                  <a:schemeClr val="bg2">
-                    <a:lumMod val="25000"/>
-                  </a:schemeClr>
-                </a:solidFill>
-                <a:latin typeface="Franklin Gothic Medium" panose="020B0603020102020204" pitchFamily="34" charset="0"/>
-              </a:rPr>
-              <a:t>tidyverse</a:t>
-            </a:r>
-            <a:endParaRPr lang="en-US" sz="3200" i="1" dirty="0">
-              <a:solidFill>
-                <a:schemeClr val="bg2">
-                  <a:lumMod val="25000"/>
-                </a:schemeClr>
-              </a:solidFill>
-              <a:latin typeface="Franklin Gothic Medium" panose="020B0603020102020204" pitchFamily="34" charset="0"/>
-            </a:endParaRPr>
-          </a:p>
-        </p:txBody>
-      </p:sp>
-      <p:pic>
-        <p:nvPicPr>
-          <p:cNvPr id="10" name="Picture 9">
-            <a:extLst>
-              <a:ext uri="{FF2B5EF4-FFF2-40B4-BE49-F238E27FC236}">
-                <a16:creationId xmlns:a16="http://schemas.microsoft.com/office/drawing/2014/main" id="{89EB7233-7B0D-EB49-905F-162F0C107A08}"/>
-              </a:ext>
-            </a:extLst>
-          </p:cNvPr>
-          <p:cNvPicPr>
-            <a:picLocks noChangeAspect="1"/>
-          </p:cNvPicPr>
-          <p:nvPr/>
-        </p:nvPicPr>
-        <p:blipFill>
-          <a:blip r:embed="rId3"/>
-          <a:stretch>
-            <a:fillRect/>
-          </a:stretch>
-        </p:blipFill>
-        <p:spPr>
-          <a:xfrm>
-            <a:off x="666938" y="2452138"/>
-            <a:ext cx="7042160" cy="275311"/>
-          </a:xfrm>
-          <a:prstGeom prst="rect">
-            <a:avLst/>
-          </a:prstGeom>
-        </p:spPr>
-      </p:pic>
-      <p:sp>
-        <p:nvSpPr>
-          <p:cNvPr id="11" name="TextBox 10">
-            <a:extLst>
-              <a:ext uri="{FF2B5EF4-FFF2-40B4-BE49-F238E27FC236}">
-                <a16:creationId xmlns:a16="http://schemas.microsoft.com/office/drawing/2014/main" id="{F978ED9B-61DA-2443-99A4-CF9700D5A684}"/>
-              </a:ext>
-            </a:extLst>
-          </p:cNvPr>
-          <p:cNvSpPr txBox="1"/>
-          <p:nvPr/>
-        </p:nvSpPr>
-        <p:spPr>
-          <a:xfrm>
-            <a:off x="540326" y="3028775"/>
-            <a:ext cx="7168772" cy="2139047"/>
-          </a:xfrm>
-          <a:prstGeom prst="rect">
-            <a:avLst/>
-          </a:prstGeom>
-          <a:noFill/>
-        </p:spPr>
-        <p:txBody>
-          <a:bodyPr wrap="square" rtlCol="0">
-            <a:spAutoFit/>
-          </a:bodyPr>
-          <a:lstStyle/>
-          <a:p>
-            <a:pPr marL="457200" indent="-457200">
-              <a:spcAft>
-                <a:spcPts val="600"/>
-              </a:spcAft>
-              <a:buFont typeface="Arial" panose="020B0604020202020204" pitchFamily="34" charset="0"/>
-              <a:buChar char="•"/>
-            </a:pPr>
-            <a:r>
-              <a:rPr lang="en-US" sz="3200" i="1" dirty="0">
-                <a:solidFill>
-                  <a:schemeClr val="bg2">
-                    <a:lumMod val="25000"/>
-                  </a:schemeClr>
-                </a:solidFill>
-                <a:latin typeface="Franklin Gothic Medium" panose="020B0603020102020204" pitchFamily="34" charset="0"/>
-              </a:rPr>
-              <a:t>Any plot you can make in base R can be recreated in ggplot2</a:t>
-            </a:r>
-          </a:p>
-          <a:p>
-            <a:pPr marL="914400" lvl="1" indent="-457200">
-              <a:spcAft>
-                <a:spcPts val="600"/>
-              </a:spcAft>
-              <a:buFont typeface="Arial" panose="020B0604020202020204" pitchFamily="34" charset="0"/>
-              <a:buChar char="•"/>
-            </a:pPr>
-            <a:r>
-              <a:rPr lang="en-US" sz="3200" i="1" dirty="0">
-                <a:solidFill>
-                  <a:schemeClr val="bg2">
-                    <a:lumMod val="25000"/>
-                  </a:schemeClr>
-                </a:solidFill>
-                <a:latin typeface="Franklin Gothic Medium" panose="020B0603020102020204" pitchFamily="34" charset="0"/>
-              </a:rPr>
-              <a:t>ggplot2 offers a clean and simple workflow</a:t>
-            </a:r>
-          </a:p>
-        </p:txBody>
-      </p:sp>
-      <p:pic>
-        <p:nvPicPr>
-          <p:cNvPr id="12" name="Picture 11">
-            <a:extLst>
-              <a:ext uri="{FF2B5EF4-FFF2-40B4-BE49-F238E27FC236}">
-                <a16:creationId xmlns:a16="http://schemas.microsoft.com/office/drawing/2014/main" id="{0ED8D849-0A44-B941-AE9C-47188D4B5F76}"/>
-              </a:ext>
-            </a:extLst>
-          </p:cNvPr>
-          <p:cNvPicPr>
-            <a:picLocks noChangeAspect="1"/>
-          </p:cNvPicPr>
-          <p:nvPr/>
-        </p:nvPicPr>
-        <p:blipFill>
-          <a:blip r:embed="rId4"/>
-          <a:stretch>
-            <a:fillRect/>
-          </a:stretch>
-        </p:blipFill>
-        <p:spPr>
-          <a:xfrm>
-            <a:off x="9325016" y="143804"/>
-            <a:ext cx="2402449" cy="2762816"/>
-          </a:xfrm>
-          <a:prstGeom prst="rect">
-            <a:avLst/>
-          </a:prstGeom>
-        </p:spPr>
-      </p:pic>
-      <p:pic>
-        <p:nvPicPr>
-          <p:cNvPr id="2" name="Picture 1">
-            <a:extLst>
-              <a:ext uri="{FF2B5EF4-FFF2-40B4-BE49-F238E27FC236}">
-                <a16:creationId xmlns:a16="http://schemas.microsoft.com/office/drawing/2014/main" id="{98C3B9A3-E073-CD46-BB53-C827DDE0A1A7}"/>
-              </a:ext>
-            </a:extLst>
-          </p:cNvPr>
-          <p:cNvPicPr>
-            <a:picLocks noChangeAspect="1"/>
-          </p:cNvPicPr>
-          <p:nvPr/>
-        </p:nvPicPr>
-        <p:blipFill>
-          <a:blip r:embed="rId5"/>
-          <a:stretch>
-            <a:fillRect/>
-          </a:stretch>
-        </p:blipFill>
-        <p:spPr>
-          <a:xfrm>
-            <a:off x="8239099" y="1996496"/>
-            <a:ext cx="3641726" cy="4187984"/>
-          </a:xfrm>
-          <a:prstGeom prst="rect">
-            <a:avLst/>
-          </a:prstGeom>
-        </p:spPr>
-      </p:pic>
-    </p:spTree>
-    <p:extLst>
-      <p:ext uri="{BB962C8B-B14F-4D97-AF65-F5344CB8AC3E}">
-        <p14:creationId xmlns:p14="http://schemas.microsoft.com/office/powerpoint/2010/main" val="3050072263"/>
-      </p:ext>
-    </p:extLst>
-  </p:cSld>
-  <p:clrMapOvr>
-    <a:masterClrMapping/>
-  </p:clrMapOvr>
-</p:sld>
-</file>
-
-<file path=ppt/slides/slide6.xml><?xml version="1.0" encoding="utf-8"?>
-<p:sld xmlns:a="http://schemas.openxmlformats.org/drawingml/2006/main" xmlns:r="http://schemas.openxmlformats.org/officeDocument/2006/relationships" xmlns:p="http://schemas.openxmlformats.org/presentationml/2006/main">
-  <p:cSld>
-    <p:bg>
-      <p:bgPr>
-        <a:solidFill>
-          <a:srgbClr val="2D2F31"/>
-        </a:solidFill>
-        <a:effectLst/>
-      </p:bgPr>
-    </p:bg>
-    <p:spTree>
-      <p:nvGrpSpPr>
-        <p:cNvPr id="1" name=""/>
-        <p:cNvGrpSpPr/>
-        <p:nvPr/>
-      </p:nvGrpSpPr>
-      <p:grpSpPr>
-        <a:xfrm>
-          <a:off x="0" y="0"/>
-          <a:ext cx="0" cy="0"/>
-          <a:chOff x="0" y="0"/>
-          <a:chExt cx="0" cy="0"/>
-        </a:xfrm>
-      </p:grpSpPr>
-      <p:sp>
-        <p:nvSpPr>
-          <p:cNvPr id="5" name="Rectangle 4"/>
-          <p:cNvSpPr/>
-          <p:nvPr/>
-        </p:nvSpPr>
-        <p:spPr>
-          <a:xfrm>
-            <a:off x="464535" y="650763"/>
-            <a:ext cx="4270593" cy="769441"/>
-          </a:xfrm>
-          <a:prstGeom prst="rect">
-            <a:avLst/>
-          </a:prstGeom>
-        </p:spPr>
-        <p:txBody>
-          <a:bodyPr wrap="none">
-            <a:spAutoFit/>
-          </a:bodyPr>
-          <a:lstStyle/>
-          <a:p>
-            <a:r>
-              <a:rPr lang="en-US" sz="4400" b="1" dirty="0">
-                <a:solidFill>
-                  <a:schemeClr val="accent2"/>
-                </a:solidFill>
-                <a:latin typeface="Franklin Gothic Medium" panose="020B0603020102020204" pitchFamily="34" charset="0"/>
-              </a:rPr>
-              <a:t>GGPLOT2 USAGE</a:t>
-            </a:r>
-          </a:p>
-        </p:txBody>
-      </p:sp>
-      <p:sp>
-        <p:nvSpPr>
-          <p:cNvPr id="4" name="TextBox 3">
-            <a:extLst>
-              <a:ext uri="{FF2B5EF4-FFF2-40B4-BE49-F238E27FC236}">
-                <a16:creationId xmlns:a16="http://schemas.microsoft.com/office/drawing/2014/main" id="{A6B6BCC4-3E55-F049-9568-A1FCD2FF0BB8}"/>
-              </a:ext>
-            </a:extLst>
-          </p:cNvPr>
-          <p:cNvSpPr txBox="1"/>
-          <p:nvPr/>
-        </p:nvSpPr>
-        <p:spPr>
-          <a:xfrm>
-            <a:off x="540326" y="1704109"/>
-            <a:ext cx="11003974" cy="3493264"/>
-          </a:xfrm>
-          <a:prstGeom prst="rect">
-            <a:avLst/>
-          </a:prstGeom>
-          <a:noFill/>
-        </p:spPr>
-        <p:txBody>
-          <a:bodyPr wrap="square" rtlCol="0">
-            <a:spAutoFit/>
-          </a:bodyPr>
-          <a:lstStyle/>
-          <a:p>
-            <a:pPr marL="457200" indent="-457200">
-              <a:spcAft>
-                <a:spcPts val="600"/>
-              </a:spcAft>
-              <a:buFont typeface="Arial" panose="020B0604020202020204" pitchFamily="34" charset="0"/>
-              <a:buChar char="•"/>
-            </a:pPr>
-            <a:r>
-              <a:rPr lang="en-US" sz="2800" i="1" dirty="0">
-                <a:solidFill>
-                  <a:schemeClr val="bg1"/>
-                </a:solidFill>
-                <a:latin typeface="Franklin Gothic Medium" panose="020B0603020102020204" pitchFamily="34" charset="0"/>
-              </a:rPr>
-              <a:t>Start with a </a:t>
-            </a:r>
-            <a:r>
-              <a:rPr lang="en-US" sz="2800" i="1" dirty="0" err="1">
-                <a:solidFill>
-                  <a:schemeClr val="bg1"/>
-                </a:solidFill>
-                <a:latin typeface="Franklin Gothic Medium" panose="020B0603020102020204" pitchFamily="34" charset="0"/>
-              </a:rPr>
-              <a:t>ggplot</a:t>
-            </a:r>
-            <a:r>
-              <a:rPr lang="en-US" sz="2800" i="1" dirty="0">
-                <a:solidFill>
-                  <a:schemeClr val="bg1"/>
-                </a:solidFill>
-                <a:latin typeface="Franklin Gothic Medium" panose="020B0603020102020204" pitchFamily="34" charset="0"/>
-              </a:rPr>
-              <a:t>()</a:t>
-            </a:r>
-          </a:p>
-          <a:p>
-            <a:pPr marL="457200" indent="-457200">
-              <a:spcAft>
-                <a:spcPts val="600"/>
-              </a:spcAft>
-              <a:buFont typeface="Arial" panose="020B0604020202020204" pitchFamily="34" charset="0"/>
-              <a:buChar char="•"/>
-            </a:pPr>
-            <a:r>
-              <a:rPr lang="en-US" sz="2800" i="1" dirty="0">
-                <a:solidFill>
-                  <a:schemeClr val="bg1"/>
-                </a:solidFill>
-                <a:latin typeface="Franklin Gothic Medium" panose="020B0603020102020204" pitchFamily="34" charset="0"/>
-              </a:rPr>
-              <a:t>Supply data and aesthetics (</a:t>
-            </a:r>
-            <a:r>
-              <a:rPr lang="en-US" sz="2800" i="1" dirty="0" err="1">
-                <a:solidFill>
-                  <a:schemeClr val="bg1"/>
-                </a:solidFill>
-                <a:latin typeface="Franklin Gothic Medium" panose="020B0603020102020204" pitchFamily="34" charset="0"/>
-              </a:rPr>
-              <a:t>aes</a:t>
-            </a:r>
-            <a:r>
-              <a:rPr lang="en-US" sz="2800" i="1" dirty="0">
-                <a:solidFill>
-                  <a:schemeClr val="bg1"/>
-                </a:solidFill>
-                <a:latin typeface="Franklin Gothic Medium" panose="020B0603020102020204" pitchFamily="34" charset="0"/>
-              </a:rPr>
-              <a:t>) to </a:t>
-            </a:r>
-            <a:r>
-              <a:rPr lang="en-US" sz="2800" i="1" dirty="0" err="1">
-                <a:solidFill>
-                  <a:schemeClr val="bg1"/>
-                </a:solidFill>
-                <a:latin typeface="Franklin Gothic Medium" panose="020B0603020102020204" pitchFamily="34" charset="0"/>
-              </a:rPr>
-              <a:t>ggplot</a:t>
-            </a:r>
-            <a:r>
-              <a:rPr lang="en-US" sz="2800" i="1" dirty="0">
-                <a:solidFill>
-                  <a:schemeClr val="bg1"/>
-                </a:solidFill>
-                <a:latin typeface="Franklin Gothic Medium" panose="020B0603020102020204" pitchFamily="34" charset="0"/>
-              </a:rPr>
-              <a:t>()</a:t>
-            </a:r>
-          </a:p>
-          <a:p>
-            <a:pPr marL="914400" lvl="1" indent="-457200">
-              <a:spcAft>
-                <a:spcPts val="600"/>
-              </a:spcAft>
-              <a:buFont typeface="Arial" panose="020B0604020202020204" pitchFamily="34" charset="0"/>
-              <a:buChar char="•"/>
-            </a:pPr>
-            <a:r>
-              <a:rPr lang="en-US" sz="2800" i="1" dirty="0" err="1">
-                <a:solidFill>
-                  <a:schemeClr val="bg1"/>
-                </a:solidFill>
-                <a:latin typeface="Franklin Gothic Medium" panose="020B0603020102020204" pitchFamily="34" charset="0"/>
-              </a:rPr>
-              <a:t>aes</a:t>
-            </a:r>
-            <a:r>
-              <a:rPr lang="en-US" sz="2800" i="1" dirty="0">
-                <a:solidFill>
-                  <a:schemeClr val="bg1"/>
-                </a:solidFill>
-                <a:latin typeface="Franklin Gothic Medium" panose="020B0603020102020204" pitchFamily="34" charset="0"/>
-              </a:rPr>
-              <a:t>() also specifies x and y data; some plots only need one</a:t>
-            </a:r>
-          </a:p>
-          <a:p>
-            <a:pPr marL="457200" indent="-457200">
-              <a:spcAft>
-                <a:spcPts val="600"/>
-              </a:spcAft>
-              <a:buFont typeface="Arial" panose="020B0604020202020204" pitchFamily="34" charset="0"/>
-              <a:buChar char="•"/>
-            </a:pPr>
-            <a:r>
-              <a:rPr lang="en-US" sz="2800" i="1" dirty="0">
-                <a:solidFill>
-                  <a:schemeClr val="bg1"/>
-                </a:solidFill>
-                <a:latin typeface="Franklin Gothic Medium" panose="020B0603020102020204" pitchFamily="34" charset="0"/>
-              </a:rPr>
-              <a:t>Add layers using “+”</a:t>
-            </a:r>
-          </a:p>
-          <a:p>
-            <a:pPr marL="914400" lvl="1" indent="-457200">
-              <a:spcAft>
-                <a:spcPts val="600"/>
-              </a:spcAft>
-              <a:buFont typeface="Arial" panose="020B0604020202020204" pitchFamily="34" charset="0"/>
-              <a:buChar char="•"/>
-            </a:pPr>
-            <a:r>
-              <a:rPr lang="en-US" sz="2800" i="1" dirty="0">
-                <a:solidFill>
-                  <a:schemeClr val="bg1"/>
-                </a:solidFill>
-                <a:latin typeface="Franklin Gothic Medium" panose="020B0603020102020204" pitchFamily="34" charset="0"/>
-              </a:rPr>
-              <a:t>Base layer is type of plot, usual takes the form of “</a:t>
-            </a:r>
-            <a:r>
-              <a:rPr lang="en-US" sz="2800" i="1" dirty="0" err="1">
-                <a:solidFill>
-                  <a:schemeClr val="bg1"/>
-                </a:solidFill>
-                <a:latin typeface="Franklin Gothic Medium" panose="020B0603020102020204" pitchFamily="34" charset="0"/>
-              </a:rPr>
-              <a:t>geom_plot</a:t>
-            </a:r>
-            <a:r>
-              <a:rPr lang="en-US" sz="2800" i="1" dirty="0">
-                <a:solidFill>
-                  <a:schemeClr val="bg1"/>
-                </a:solidFill>
-                <a:latin typeface="Franklin Gothic Medium" panose="020B0603020102020204" pitchFamily="34" charset="0"/>
-              </a:rPr>
-              <a:t>()” where plot is the type of plot – e.g. </a:t>
-            </a:r>
-            <a:r>
-              <a:rPr lang="en-US" sz="2800" i="1" dirty="0" err="1">
-                <a:solidFill>
-                  <a:schemeClr val="bg1"/>
-                </a:solidFill>
-                <a:latin typeface="Franklin Gothic Medium" panose="020B0603020102020204" pitchFamily="34" charset="0"/>
-              </a:rPr>
-              <a:t>geom_boxplot</a:t>
-            </a:r>
-            <a:r>
-              <a:rPr lang="en-US" sz="2800" i="1" dirty="0">
-                <a:solidFill>
-                  <a:schemeClr val="bg1"/>
-                </a:solidFill>
-                <a:latin typeface="Franklin Gothic Medium" panose="020B0603020102020204" pitchFamily="34" charset="0"/>
-              </a:rPr>
-              <a:t>() </a:t>
-            </a:r>
-          </a:p>
-          <a:p>
-            <a:pPr marL="914400" lvl="1" indent="-457200">
-              <a:spcAft>
-                <a:spcPts val="600"/>
-              </a:spcAft>
-              <a:buFont typeface="Arial" panose="020B0604020202020204" pitchFamily="34" charset="0"/>
-              <a:buChar char="•"/>
-            </a:pPr>
-            <a:r>
-              <a:rPr lang="en-US" sz="2800" i="1" dirty="0">
-                <a:solidFill>
-                  <a:schemeClr val="bg1"/>
-                </a:solidFill>
-                <a:latin typeface="Franklin Gothic Medium" panose="020B0603020102020204" pitchFamily="34" charset="0"/>
-              </a:rPr>
-              <a:t>Can also specify themes, aesthetics, facets, and more..</a:t>
-            </a:r>
-          </a:p>
-        </p:txBody>
-      </p:sp>
-      <p:pic>
-        <p:nvPicPr>
-          <p:cNvPr id="3" name="Picture 2">
-            <a:extLst>
-              <a:ext uri="{FF2B5EF4-FFF2-40B4-BE49-F238E27FC236}">
-                <a16:creationId xmlns:a16="http://schemas.microsoft.com/office/drawing/2014/main" id="{2A0ABCFB-A9B9-924F-95B6-91BA7C0A56C6}"/>
-              </a:ext>
-            </a:extLst>
-          </p:cNvPr>
-          <p:cNvPicPr>
-            <a:picLocks noChangeAspect="1"/>
-          </p:cNvPicPr>
-          <p:nvPr/>
-        </p:nvPicPr>
-        <p:blipFill>
-          <a:blip r:embed="rId3"/>
-          <a:stretch>
-            <a:fillRect/>
-          </a:stretch>
-        </p:blipFill>
-        <p:spPr>
-          <a:xfrm>
-            <a:off x="1939968" y="5514976"/>
-            <a:ext cx="8312064" cy="994020"/>
-          </a:xfrm>
-          <a:prstGeom prst="rect">
-            <a:avLst/>
-          </a:prstGeom>
-        </p:spPr>
-      </p:pic>
-    </p:spTree>
-    <p:extLst>
-      <p:ext uri="{BB962C8B-B14F-4D97-AF65-F5344CB8AC3E}">
-        <p14:creationId xmlns:p14="http://schemas.microsoft.com/office/powerpoint/2010/main" val="2523240585"/>
-      </p:ext>
-    </p:extLst>
-  </p:cSld>
-  <p:clrMapOvr>
-    <a:masterClrMapping/>
-  </p:clrMapOvr>
-</p:sld>
-</file>
-
-<file path=ppt/slides/slide7.xml><?xml version="1.0" encoding="utf-8"?>
-<p:sld xmlns:a="http://schemas.openxmlformats.org/drawingml/2006/main" xmlns:r="http://schemas.openxmlformats.org/officeDocument/2006/relationships" xmlns:p="http://schemas.openxmlformats.org/presentationml/2006/main">
-  <p:cSld>
-    <p:bg>
-      <p:bgPr>
-        <a:solidFill>
-          <a:srgbClr val="2D2F31"/>
-        </a:solidFill>
-        <a:effectLst/>
-      </p:bgPr>
-    </p:bg>
-    <p:spTree>
-      <p:nvGrpSpPr>
-        <p:cNvPr id="1" name=""/>
-        <p:cNvGrpSpPr/>
-        <p:nvPr/>
-      </p:nvGrpSpPr>
-      <p:grpSpPr>
-        <a:xfrm>
-          <a:off x="0" y="0"/>
-          <a:ext cx="0" cy="0"/>
-          <a:chOff x="0" y="0"/>
-          <a:chExt cx="0" cy="0"/>
-        </a:xfrm>
-      </p:grpSpPr>
-      <p:sp>
-        <p:nvSpPr>
-          <p:cNvPr id="7" name="Rectangle 6">
-            <a:extLst>
-              <a:ext uri="{FF2B5EF4-FFF2-40B4-BE49-F238E27FC236}">
-                <a16:creationId xmlns:a16="http://schemas.microsoft.com/office/drawing/2014/main" id="{9BE92E95-1A0F-C64D-8F5E-532F0CAFB0F5}"/>
-              </a:ext>
-            </a:extLst>
-          </p:cNvPr>
-          <p:cNvSpPr/>
-          <p:nvPr/>
-        </p:nvSpPr>
-        <p:spPr>
-          <a:xfrm>
-            <a:off x="464535" y="650763"/>
-            <a:ext cx="4361835" cy="769441"/>
-          </a:xfrm>
-          <a:prstGeom prst="rect">
-            <a:avLst/>
-          </a:prstGeom>
-        </p:spPr>
-        <p:txBody>
-          <a:bodyPr wrap="none">
-            <a:spAutoFit/>
-          </a:bodyPr>
-          <a:lstStyle/>
-          <a:p>
-            <a:r>
-              <a:rPr lang="en-US" sz="4400" b="1" dirty="0">
-                <a:solidFill>
-                  <a:schemeClr val="accent2"/>
-                </a:solidFill>
-                <a:latin typeface="Franklin Gothic Medium" panose="020B0603020102020204" pitchFamily="34" charset="0"/>
-              </a:rPr>
-              <a:t>BOXPLOT OF AGE</a:t>
-            </a:r>
-          </a:p>
-        </p:txBody>
-      </p:sp>
-      <p:pic>
-        <p:nvPicPr>
-          <p:cNvPr id="9" name="Picture 8">
-            <a:extLst>
-              <a:ext uri="{FF2B5EF4-FFF2-40B4-BE49-F238E27FC236}">
-                <a16:creationId xmlns:a16="http://schemas.microsoft.com/office/drawing/2014/main" id="{44069A0E-FB9E-2A45-8831-C0D93598F7F9}"/>
-              </a:ext>
-            </a:extLst>
-          </p:cNvPr>
-          <p:cNvPicPr>
-            <a:picLocks noChangeAspect="1"/>
-          </p:cNvPicPr>
-          <p:nvPr/>
-        </p:nvPicPr>
-        <p:blipFill>
-          <a:blip r:embed="rId2"/>
-          <a:stretch>
-            <a:fillRect/>
-          </a:stretch>
-        </p:blipFill>
-        <p:spPr>
-          <a:xfrm>
-            <a:off x="1907572" y="1600200"/>
-            <a:ext cx="8704765" cy="882651"/>
-          </a:xfrm>
-          <a:prstGeom prst="rect">
-            <a:avLst/>
-          </a:prstGeom>
-        </p:spPr>
-      </p:pic>
-      <p:pic>
-        <p:nvPicPr>
-          <p:cNvPr id="10" name="Picture 9">
-            <a:extLst>
-              <a:ext uri="{FF2B5EF4-FFF2-40B4-BE49-F238E27FC236}">
-                <a16:creationId xmlns:a16="http://schemas.microsoft.com/office/drawing/2014/main" id="{7886F8C4-C47F-3142-A26A-6298771C290E}"/>
-              </a:ext>
-            </a:extLst>
-          </p:cNvPr>
-          <p:cNvPicPr>
-            <a:picLocks noChangeAspect="1"/>
-          </p:cNvPicPr>
-          <p:nvPr/>
-        </p:nvPicPr>
-        <p:blipFill>
-          <a:blip r:embed="rId3"/>
-          <a:stretch>
-            <a:fillRect/>
-          </a:stretch>
-        </p:blipFill>
-        <p:spPr>
-          <a:xfrm>
-            <a:off x="3303588" y="2776057"/>
-            <a:ext cx="5041900" cy="3619500"/>
-          </a:xfrm>
-          <a:prstGeom prst="rect">
-            <a:avLst/>
-          </a:prstGeom>
-        </p:spPr>
-      </p:pic>
-    </p:spTree>
-    <p:extLst>
-      <p:ext uri="{BB962C8B-B14F-4D97-AF65-F5344CB8AC3E}">
-        <p14:creationId xmlns:p14="http://schemas.microsoft.com/office/powerpoint/2010/main" val="1054965149"/>
-      </p:ext>
-    </p:extLst>
-  </p:cSld>
-  <p:clrMapOvr>
-    <a:masterClrMapping/>
-  </p:clrMapOvr>
-</p:sld>
-</file>
-
-<file path=ppt/slides/slide8.xml><?xml version="1.0" encoding="utf-8"?>
-<p:sld xmlns:a="http://schemas.openxmlformats.org/drawingml/2006/main" xmlns:r="http://schemas.openxmlformats.org/officeDocument/2006/relationships" xmlns:p="http://schemas.openxmlformats.org/presentationml/2006/main">
-  <p:cSld>
-    <p:spTree>
-      <p:nvGrpSpPr>
-        <p:cNvPr id="1" name=""/>
-        <p:cNvGrpSpPr/>
-        <p:nvPr/>
-      </p:nvGrpSpPr>
-      <p:grpSpPr>
-        <a:xfrm>
-          <a:off x="0" y="0"/>
-          <a:ext cx="0" cy="0"/>
-          <a:chOff x="0" y="0"/>
-          <a:chExt cx="0" cy="0"/>
-        </a:xfrm>
-      </p:grpSpPr>
-      <p:sp>
-        <p:nvSpPr>
-          <p:cNvPr id="4" name="Rectangle 3"/>
-          <p:cNvSpPr/>
-          <p:nvPr/>
-        </p:nvSpPr>
-        <p:spPr>
-          <a:xfrm>
-            <a:off x="1969034" y="2587716"/>
-            <a:ext cx="8245483" cy="1446550"/>
-          </a:xfrm>
-          <a:prstGeom prst="rect">
-            <a:avLst/>
-          </a:prstGeom>
-        </p:spPr>
-        <p:txBody>
-          <a:bodyPr wrap="square">
-            <a:spAutoFit/>
-          </a:bodyPr>
-          <a:lstStyle/>
-          <a:p>
-            <a:pPr algn="ctr"/>
-            <a:r>
-              <a:rPr lang="en-US" sz="4400" b="1" i="1" dirty="0">
-                <a:solidFill>
-                  <a:schemeClr val="bg2">
-                    <a:lumMod val="25000"/>
-                  </a:schemeClr>
-                </a:solidFill>
-                <a:latin typeface="Franklin Gothic Medium" panose="020B0603020102020204" pitchFamily="34" charset="0"/>
-              </a:rPr>
-              <a:t>I’ll switch to the R markdown document…</a:t>
-            </a:r>
-          </a:p>
-        </p:txBody>
-      </p:sp>
-    </p:spTree>
-    <p:extLst>
-      <p:ext uri="{BB962C8B-B14F-4D97-AF65-F5344CB8AC3E}">
-        <p14:creationId xmlns:p14="http://schemas.microsoft.com/office/powerpoint/2010/main" val="2922840791"/>
-      </p:ext>
-    </p:extLst>
-  </p:cSld>
-  <p:clrMapOvr>
-    <a:masterClrMapping/>
-  </p:clrMapOvr>
-</p:sld>
-</file>
-
-<file path=ppt/slides/slide9.xml><?xml version="1.0" encoding="utf-8"?>
-<p:sld xmlns:a="http://schemas.openxmlformats.org/drawingml/2006/main" xmlns:r="http://schemas.openxmlformats.org/officeDocument/2006/relationships" xmlns:p="http://schemas.openxmlformats.org/presentationml/2006/main">
-  <p:cSld>
-    <p:spTree>
-      <p:nvGrpSpPr>
-        <p:cNvPr id="1" name=""/>
-        <p:cNvGrpSpPr/>
-        <p:nvPr/>
-      </p:nvGrpSpPr>
-      <p:grpSpPr>
-        <a:xfrm>
-          <a:off x="0" y="0"/>
-          <a:ext cx="0" cy="0"/>
-          <a:chOff x="0" y="0"/>
-          <a:chExt cx="0" cy="0"/>
-        </a:xfrm>
-      </p:grpSpPr>
-      <p:sp>
-        <p:nvSpPr>
-          <p:cNvPr id="4" name="Title 1"/>
-          <p:cNvSpPr txBox="1">
-            <a:spLocks/>
-          </p:cNvSpPr>
-          <p:nvPr/>
-        </p:nvSpPr>
-        <p:spPr>
-          <a:xfrm>
-            <a:off x="540326" y="354968"/>
-            <a:ext cx="10515600" cy="1325563"/>
-          </a:xfrm>
-          <a:prstGeom prst="rect">
-            <a:avLst/>
-          </a:prstGeom>
-        </p:spPr>
-        <p:txBody>
-          <a:bodyPr vert="horz" lIns="91440" tIns="45720" rIns="91440" bIns="45720" rtlCol="0" anchor="ctr">
-            <a:normAutofit/>
-          </a:bodyPr>
-          <a:lstStyle>
-            <a:lvl1pPr algn="l" defTabSz="914400" rtl="0" eaLnBrk="1" latinLnBrk="0" hangingPunct="1">
-              <a:lnSpc>
-                <a:spcPct val="90000"/>
-              </a:lnSpc>
-              <a:spcBef>
-                <a:spcPct val="0"/>
-              </a:spcBef>
-              <a:buNone/>
-              <a:defRPr sz="4400" kern="1200">
-                <a:solidFill>
-                  <a:schemeClr val="tx1"/>
-                </a:solidFill>
-                <a:latin typeface="+mj-lt"/>
-                <a:ea typeface="+mj-ea"/>
-                <a:cs typeface="+mj-cs"/>
-              </a:defRPr>
-            </a:lvl1pPr>
-          </a:lstStyle>
-          <a:p>
-            <a:r>
-              <a:rPr lang="en-US" b="1" dirty="0">
-                <a:solidFill>
-                  <a:schemeClr val="accent2"/>
-                </a:solidFill>
-                <a:latin typeface="Franklin Gothic Medium" panose="020B0603020102020204" pitchFamily="34" charset="0"/>
-              </a:rPr>
-              <a:t>HELPFUL RESOURCES</a:t>
-            </a:r>
-          </a:p>
-        </p:txBody>
-      </p:sp>
-      <p:sp>
-        <p:nvSpPr>
-          <p:cNvPr id="5" name="Rectangle 4"/>
-          <p:cNvSpPr/>
-          <p:nvPr/>
-        </p:nvSpPr>
-        <p:spPr>
-          <a:xfrm>
-            <a:off x="607959" y="1513963"/>
-            <a:ext cx="10266368" cy="5062924"/>
-          </a:xfrm>
-          <a:prstGeom prst="rect">
-            <a:avLst/>
-          </a:prstGeom>
-        </p:spPr>
-        <p:txBody>
-          <a:bodyPr wrap="square">
-            <a:spAutoFit/>
-          </a:bodyPr>
-          <a:lstStyle/>
-          <a:p>
-            <a:pPr marL="457200" indent="-457200">
-              <a:spcAft>
-                <a:spcPts val="600"/>
-              </a:spcAft>
-              <a:buFont typeface="Arial" panose="020B0604020202020204" pitchFamily="34" charset="0"/>
-              <a:buChar char="•"/>
-            </a:pPr>
-            <a:r>
-              <a:rPr lang="en-US" sz="3200" i="1" dirty="0">
-                <a:solidFill>
-                  <a:srgbClr val="0070C0"/>
-                </a:solidFill>
-                <a:latin typeface="Franklin Gothic Medium" panose="020B0603020102020204" pitchFamily="34" charset="0"/>
-                <a:hlinkClick r:id="rId3"/>
-              </a:rPr>
-              <a:t>George &amp; Fay Yee Centre for Health Care Innovation </a:t>
-            </a:r>
-            <a:endParaRPr lang="en-US" sz="3200" i="1" dirty="0">
-              <a:solidFill>
-                <a:srgbClr val="0070C0"/>
-              </a:solidFill>
-              <a:latin typeface="Franklin Gothic Medium" panose="020B0603020102020204" pitchFamily="34" charset="0"/>
-              <a:hlinkClick r:id="rId4"/>
-            </a:endParaRPr>
-          </a:p>
-          <a:p>
-            <a:pPr marL="457200" indent="-457200">
-              <a:spcAft>
-                <a:spcPts val="600"/>
-              </a:spcAft>
-              <a:buFont typeface="Arial" panose="020B0604020202020204" pitchFamily="34" charset="0"/>
-              <a:buChar char="•"/>
-            </a:pPr>
-            <a:r>
-              <a:rPr lang="en-US" sz="3200" i="1" dirty="0">
-                <a:solidFill>
-                  <a:srgbClr val="0070C0"/>
-                </a:solidFill>
-                <a:latin typeface="Franklin Gothic Medium" panose="020B0603020102020204" pitchFamily="34" charset="0"/>
-                <a:hlinkClick r:id="rId4"/>
-              </a:rPr>
-              <a:t>Choosing the correct statistical test in SAS, STATA, SPSS, and R</a:t>
-            </a:r>
-            <a:endParaRPr lang="en-US" sz="3200" i="1" dirty="0">
-              <a:solidFill>
-                <a:srgbClr val="0070C0"/>
-              </a:solidFill>
-              <a:latin typeface="Franklin Gothic Medium" panose="020B0603020102020204" pitchFamily="34" charset="0"/>
-            </a:endParaRPr>
-          </a:p>
-          <a:p>
-            <a:pPr marL="457200" indent="-457200">
-              <a:spcAft>
-                <a:spcPts val="600"/>
-              </a:spcAft>
-              <a:buFont typeface="Arial" panose="020B0604020202020204" pitchFamily="34" charset="0"/>
-              <a:buChar char="•"/>
-            </a:pPr>
-            <a:r>
-              <a:rPr lang="en-US" sz="3200" i="1" dirty="0">
-                <a:solidFill>
-                  <a:srgbClr val="0070C0"/>
-                </a:solidFill>
-                <a:latin typeface="Franklin Gothic Medium" panose="020B0603020102020204" pitchFamily="34" charset="0"/>
-                <a:hlinkClick r:id="rId5"/>
-              </a:rPr>
-              <a:t>R for data science</a:t>
-            </a:r>
-            <a:endParaRPr lang="en-US" sz="3200" i="1" dirty="0">
-              <a:solidFill>
-                <a:srgbClr val="0070C0"/>
-              </a:solidFill>
-              <a:latin typeface="Franklin Gothic Medium" panose="020B0603020102020204" pitchFamily="34" charset="0"/>
-            </a:endParaRPr>
-          </a:p>
-          <a:p>
-            <a:pPr marL="457200" indent="-457200">
-              <a:spcAft>
-                <a:spcPts val="600"/>
-              </a:spcAft>
-              <a:buFont typeface="Arial" panose="020B0604020202020204" pitchFamily="34" charset="0"/>
-              <a:buChar char="•"/>
-            </a:pPr>
-            <a:r>
-              <a:rPr lang="en-US" sz="3200" i="1" dirty="0">
-                <a:solidFill>
-                  <a:srgbClr val="0070C0"/>
-                </a:solidFill>
-                <a:latin typeface="Franklin Gothic Medium" panose="020B0603020102020204" pitchFamily="34" charset="0"/>
-                <a:hlinkClick r:id="rId6"/>
-              </a:rPr>
-              <a:t>R graphics cookbook</a:t>
-            </a:r>
-            <a:endParaRPr lang="en-US" sz="3200" i="1" dirty="0">
-              <a:solidFill>
-                <a:srgbClr val="0070C0"/>
-              </a:solidFill>
-              <a:latin typeface="Franklin Gothic Medium" panose="020B0603020102020204" pitchFamily="34" charset="0"/>
-            </a:endParaRPr>
-          </a:p>
-          <a:p>
-            <a:pPr marL="457200" indent="-457200">
-              <a:spcAft>
-                <a:spcPts val="600"/>
-              </a:spcAft>
-              <a:buFont typeface="Arial" panose="020B0604020202020204" pitchFamily="34" charset="0"/>
-              <a:buChar char="•"/>
-            </a:pPr>
-            <a:r>
-              <a:rPr lang="en-US" sz="3200" i="1" dirty="0">
-                <a:solidFill>
-                  <a:srgbClr val="0070C0"/>
-                </a:solidFill>
-                <a:latin typeface="Franklin Gothic Medium" panose="020B0603020102020204" pitchFamily="34" charset="0"/>
-                <a:hlinkClick r:id="rId7"/>
-              </a:rPr>
-              <a:t>ggplot2 cheat sheet</a:t>
-            </a:r>
-            <a:endParaRPr lang="en-US" sz="3200" i="1" dirty="0">
-              <a:solidFill>
-                <a:srgbClr val="0070C0"/>
-              </a:solidFill>
-              <a:latin typeface="Franklin Gothic Medium" panose="020B0603020102020204" pitchFamily="34" charset="0"/>
-            </a:endParaRPr>
-          </a:p>
-          <a:p>
-            <a:pPr marL="457200" indent="-457200">
-              <a:spcAft>
-                <a:spcPts val="600"/>
-              </a:spcAft>
-              <a:buFont typeface="Arial" panose="020B0604020202020204" pitchFamily="34" charset="0"/>
-              <a:buChar char="•"/>
-            </a:pPr>
-            <a:r>
-              <a:rPr lang="en-US" sz="3200" i="1" dirty="0">
-                <a:solidFill>
-                  <a:srgbClr val="0070C0"/>
-                </a:solidFill>
-                <a:latin typeface="Franklin Gothic Medium" panose="020B0603020102020204" pitchFamily="34" charset="0"/>
-                <a:hlinkClick r:id="rId8"/>
-              </a:rPr>
-              <a:t>The R graph gallery: ggplot2</a:t>
-            </a:r>
-            <a:endParaRPr lang="en-US" sz="3200" i="1" dirty="0">
-              <a:solidFill>
-                <a:srgbClr val="0070C0"/>
-              </a:solidFill>
-              <a:latin typeface="Franklin Gothic Medium" panose="020B0603020102020204" pitchFamily="34" charset="0"/>
-            </a:endParaRPr>
-          </a:p>
-          <a:p>
-            <a:pPr marL="457200" indent="-457200">
-              <a:spcAft>
-                <a:spcPts val="600"/>
-              </a:spcAft>
-              <a:buFont typeface="Arial" panose="020B0604020202020204" pitchFamily="34" charset="0"/>
-              <a:buChar char="•"/>
-            </a:pPr>
-            <a:r>
-              <a:rPr lang="en-US" sz="3200" i="1" dirty="0">
-                <a:solidFill>
-                  <a:srgbClr val="0070C0"/>
-                </a:solidFill>
-                <a:latin typeface="Franklin Gothic Medium" panose="020B0603020102020204" pitchFamily="34" charset="0"/>
-                <a:hlinkClick r:id="rId9"/>
-              </a:rPr>
-              <a:t>How to make any graph in ggplot2</a:t>
-            </a:r>
-            <a:endParaRPr lang="en-US" sz="3200" i="1" dirty="0">
-              <a:solidFill>
-                <a:srgbClr val="0070C0"/>
-              </a:solidFill>
-              <a:latin typeface="Franklin Gothic Medium" panose="020B0603020102020204" pitchFamily="34" charset="0"/>
-            </a:endParaRPr>
-          </a:p>
-          <a:p>
-            <a:pPr marL="457200" indent="-457200">
-              <a:spcAft>
-                <a:spcPts val="600"/>
-              </a:spcAft>
-              <a:buFont typeface="Arial" panose="020B0604020202020204" pitchFamily="34" charset="0"/>
-              <a:buChar char="•"/>
-            </a:pPr>
-            <a:r>
-              <a:rPr lang="en-US" sz="3200" i="1" dirty="0">
-                <a:solidFill>
-                  <a:srgbClr val="0070C0"/>
-                </a:solidFill>
-                <a:latin typeface="Franklin Gothic Medium" panose="020B0603020102020204" pitchFamily="34" charset="0"/>
-                <a:hlinkClick r:id="rId10"/>
-              </a:rPr>
-              <a:t>Data carpentry: Data visualization with ggplot2</a:t>
-            </a:r>
-            <a:endParaRPr lang="en-US" sz="3200" i="1" dirty="0">
-              <a:solidFill>
-                <a:srgbClr val="0070C0"/>
-              </a:solidFill>
-              <a:latin typeface="Franklin Gothic Medium" panose="020B0603020102020204" pitchFamily="34" charset="0"/>
-            </a:endParaRPr>
-          </a:p>
-        </p:txBody>
-      </p:sp>
-    </p:spTree>
-    <p:extLst>
-      <p:ext uri="{BB962C8B-B14F-4D97-AF65-F5344CB8AC3E}">
-        <p14:creationId xmlns:p14="http://schemas.microsoft.com/office/powerpoint/2010/main" val="318470091"/>
       </p:ext>
     </p:extLst>
   </p:cSld>
